--- a/pres.pptx
+++ b/pres.pptx
@@ -18,12 +18,14 @@
     <p:sldId id="303" r:id="rId12"/>
     <p:sldId id="263" r:id="rId13"/>
     <p:sldId id="264" r:id="rId14"/>
-    <p:sldId id="265" r:id="rId15"/>
-    <p:sldId id="307" r:id="rId16"/>
-    <p:sldId id="266" r:id="rId17"/>
-    <p:sldId id="267" r:id="rId18"/>
-    <p:sldId id="305" r:id="rId19"/>
-    <p:sldId id="268" r:id="rId20"/>
+    <p:sldId id="309" r:id="rId15"/>
+    <p:sldId id="265" r:id="rId16"/>
+    <p:sldId id="307" r:id="rId17"/>
+    <p:sldId id="266" r:id="rId18"/>
+    <p:sldId id="267" r:id="rId19"/>
+    <p:sldId id="305" r:id="rId20"/>
+    <p:sldId id="268" r:id="rId21"/>
+    <p:sldId id="310" r:id="rId22"/>
   </p:sldIdLst>
   <p:sldSz cx="12192000" cy="6858000"/>
   <p:notesSz cx="6858000" cy="9144000"/>
@@ -261,7 +263,7 @@
           <a:p>
             <a:fld id="{EDA607E6-64F6-40E3-AC29-C51E54E522D7}" type="datetimeFigureOut">
               <a:rPr lang="ru-RU" smtClean="0"/>
-              <a:t>13.05.2022</a:t>
+              <a:t>19.05.2022</a:t>
             </a:fld>
             <a:endParaRPr lang="ru-RU"/>
           </a:p>
@@ -431,7 +433,7 @@
           <a:p>
             <a:fld id="{EDA607E6-64F6-40E3-AC29-C51E54E522D7}" type="datetimeFigureOut">
               <a:rPr lang="ru-RU" smtClean="0"/>
-              <a:t>13.05.2022</a:t>
+              <a:t>19.05.2022</a:t>
             </a:fld>
             <a:endParaRPr lang="ru-RU"/>
           </a:p>
@@ -611,7 +613,7 @@
           <a:p>
             <a:fld id="{EDA607E6-64F6-40E3-AC29-C51E54E522D7}" type="datetimeFigureOut">
               <a:rPr lang="ru-RU" smtClean="0"/>
-              <a:t>13.05.2022</a:t>
+              <a:t>19.05.2022</a:t>
             </a:fld>
             <a:endParaRPr lang="ru-RU"/>
           </a:p>
@@ -781,7 +783,7 @@
           <a:p>
             <a:fld id="{EDA607E6-64F6-40E3-AC29-C51E54E522D7}" type="datetimeFigureOut">
               <a:rPr lang="ru-RU" smtClean="0"/>
-              <a:t>13.05.2022</a:t>
+              <a:t>19.05.2022</a:t>
             </a:fld>
             <a:endParaRPr lang="ru-RU"/>
           </a:p>
@@ -1027,7 +1029,7 @@
           <a:p>
             <a:fld id="{EDA607E6-64F6-40E3-AC29-C51E54E522D7}" type="datetimeFigureOut">
               <a:rPr lang="ru-RU" smtClean="0"/>
-              <a:t>13.05.2022</a:t>
+              <a:t>19.05.2022</a:t>
             </a:fld>
             <a:endParaRPr lang="ru-RU"/>
           </a:p>
@@ -1259,7 +1261,7 @@
           <a:p>
             <a:fld id="{EDA607E6-64F6-40E3-AC29-C51E54E522D7}" type="datetimeFigureOut">
               <a:rPr lang="ru-RU" smtClean="0"/>
-              <a:t>13.05.2022</a:t>
+              <a:t>19.05.2022</a:t>
             </a:fld>
             <a:endParaRPr lang="ru-RU"/>
           </a:p>
@@ -1626,7 +1628,7 @@
           <a:p>
             <a:fld id="{EDA607E6-64F6-40E3-AC29-C51E54E522D7}" type="datetimeFigureOut">
               <a:rPr lang="ru-RU" smtClean="0"/>
-              <a:t>13.05.2022</a:t>
+              <a:t>19.05.2022</a:t>
             </a:fld>
             <a:endParaRPr lang="ru-RU"/>
           </a:p>
@@ -1744,7 +1746,7 @@
           <a:p>
             <a:fld id="{EDA607E6-64F6-40E3-AC29-C51E54E522D7}" type="datetimeFigureOut">
               <a:rPr lang="ru-RU" smtClean="0"/>
-              <a:t>13.05.2022</a:t>
+              <a:t>19.05.2022</a:t>
             </a:fld>
             <a:endParaRPr lang="ru-RU"/>
           </a:p>
@@ -1839,7 +1841,7 @@
           <a:p>
             <a:fld id="{EDA607E6-64F6-40E3-AC29-C51E54E522D7}" type="datetimeFigureOut">
               <a:rPr lang="ru-RU" smtClean="0"/>
-              <a:t>13.05.2022</a:t>
+              <a:t>19.05.2022</a:t>
             </a:fld>
             <a:endParaRPr lang="ru-RU"/>
           </a:p>
@@ -2116,7 +2118,7 @@
           <a:p>
             <a:fld id="{EDA607E6-64F6-40E3-AC29-C51E54E522D7}" type="datetimeFigureOut">
               <a:rPr lang="ru-RU" smtClean="0"/>
-              <a:t>13.05.2022</a:t>
+              <a:t>19.05.2022</a:t>
             </a:fld>
             <a:endParaRPr lang="ru-RU"/>
           </a:p>
@@ -2369,7 +2371,7 @@
           <a:p>
             <a:fld id="{EDA607E6-64F6-40E3-AC29-C51E54E522D7}" type="datetimeFigureOut">
               <a:rPr lang="ru-RU" smtClean="0"/>
-              <a:t>13.05.2022</a:t>
+              <a:t>19.05.2022</a:t>
             </a:fld>
             <a:endParaRPr lang="ru-RU"/>
           </a:p>
@@ -2609,7 +2611,7 @@
           <a:p>
             <a:fld id="{EDA607E6-64F6-40E3-AC29-C51E54E522D7}" type="datetimeFigureOut">
               <a:rPr lang="ru-RU" smtClean="0"/>
-              <a:t>13.05.2022</a:t>
+              <a:t>19.05.2022</a:t>
             </a:fld>
             <a:endParaRPr lang="ru-RU"/>
           </a:p>
@@ -3068,7 +3070,7 @@
         <p:spPr>
           <a:xfrm>
             <a:off x="8202393" y="4659636"/>
-            <a:ext cx="3265253" cy="1477328"/>
+            <a:ext cx="3265253" cy="1754326"/>
           </a:xfrm>
           <a:prstGeom prst="rect">
             <a:avLst/>
@@ -3129,6 +3131,18 @@
               <a:rPr lang="en-US" dirty="0" smtClean="0"/>
               <a:t>Site (trap!) runalsh.ru</a:t>
             </a:r>
+            <a:endParaRPr lang="ru-RU" dirty="0" smtClean="0"/>
+          </a:p>
+          <a:p>
+            <a:r>
+              <a:rPr lang="en-US" dirty="0" smtClean="0"/>
+              <a:t>FB: fb.com/</a:t>
+            </a:r>
+            <a:r>
+              <a:rPr lang="en-US" dirty="0" err="1" smtClean="0"/>
+              <a:t>runalsh</a:t>
+            </a:r>
+            <a:endParaRPr lang="en-US" dirty="0" smtClean="0"/>
           </a:p>
           <a:p>
             <a:r>
@@ -5062,8 +5076,8 @@
         </p:nvSpPr>
         <p:spPr>
           <a:xfrm>
-            <a:off x="5075649" y="73029"/>
-            <a:ext cx="971869" cy="523220"/>
+            <a:off x="3856449" y="73029"/>
+            <a:ext cx="4725076" cy="523220"/>
           </a:xfrm>
           <a:prstGeom prst="rect">
             <a:avLst/>
@@ -5078,143 +5092,15 @@
           <a:p>
             <a:r>
               <a:rPr lang="en-US" sz="2800" b="1" dirty="0" smtClean="0"/>
-              <a:t>LOGS</a:t>
+              <a:t>MONITORING (GRAFANA opt)</a:t>
             </a:r>
             <a:endParaRPr lang="ru-RU" sz="2800" b="1" dirty="0"/>
-          </a:p>
-        </p:txBody>
-      </p:sp>
-      <p:sp>
-        <p:nvSpPr>
-          <p:cNvPr id="3" name="TextBox 2"/>
-          <p:cNvSpPr txBox="1"/>
-          <p:nvPr/>
-        </p:nvSpPr>
-        <p:spPr>
-          <a:xfrm>
-            <a:off x="1133475" y="1638300"/>
-            <a:ext cx="1600887" cy="1200329"/>
-          </a:xfrm>
-          <a:prstGeom prst="rect">
-            <a:avLst/>
-          </a:prstGeom>
-          <a:noFill/>
-        </p:spPr>
-        <p:txBody>
-          <a:bodyPr wrap="none" rtlCol="0">
-            <a:spAutoFit/>
-          </a:bodyPr>
-          <a:lstStyle/>
-          <a:p>
-            <a:r>
-              <a:rPr lang="en-US" dirty="0" smtClean="0"/>
-              <a:t>Cluster logs:</a:t>
-            </a:r>
-          </a:p>
-          <a:p>
-            <a:pPr marL="285750" indent="-285750">
-              <a:buFontTx/>
-              <a:buChar char="-"/>
-            </a:pPr>
-            <a:r>
-              <a:rPr lang="en-US" dirty="0" smtClean="0"/>
-              <a:t>pods</a:t>
-            </a:r>
-          </a:p>
-          <a:p>
-            <a:pPr marL="285750" indent="-285750">
-              <a:buFontTx/>
-              <a:buChar char="-"/>
-            </a:pPr>
-            <a:r>
-              <a:rPr lang="en-US" dirty="0" smtClean="0"/>
-              <a:t>applications</a:t>
-            </a:r>
-          </a:p>
-          <a:p>
-            <a:pPr marL="285750" indent="-285750">
-              <a:buFontTx/>
-              <a:buChar char="-"/>
-            </a:pPr>
-            <a:endParaRPr lang="ru-RU" dirty="0"/>
-          </a:p>
-        </p:txBody>
-      </p:sp>
-      <p:sp>
-        <p:nvSpPr>
-          <p:cNvPr id="4" name="TextBox 3"/>
-          <p:cNvSpPr txBox="1"/>
-          <p:nvPr/>
-        </p:nvSpPr>
-        <p:spPr>
-          <a:xfrm>
-            <a:off x="1052717" y="4394084"/>
-            <a:ext cx="2162451" cy="1200329"/>
-          </a:xfrm>
-          <a:prstGeom prst="rect">
-            <a:avLst/>
-          </a:prstGeom>
-          <a:noFill/>
-        </p:spPr>
-        <p:txBody>
-          <a:bodyPr wrap="none" rtlCol="0">
-            <a:spAutoFit/>
-          </a:bodyPr>
-          <a:lstStyle/>
-          <a:p>
-            <a:r>
-              <a:rPr lang="en-US" dirty="0" smtClean="0"/>
-              <a:t>Runner logs:</a:t>
-            </a:r>
-          </a:p>
-          <a:p>
-            <a:pPr marL="285750" indent="-285750">
-              <a:buFontTx/>
-              <a:buChar char="-"/>
-            </a:pPr>
-            <a:r>
-              <a:rPr lang="en-US" dirty="0" err="1" smtClean="0"/>
-              <a:t>Github</a:t>
-            </a:r>
-            <a:r>
-              <a:rPr lang="en-US" dirty="0" smtClean="0"/>
-              <a:t> runner</a:t>
-            </a:r>
-          </a:p>
-          <a:p>
-            <a:pPr marL="285750" indent="-285750">
-              <a:buFontTx/>
-              <a:buChar char="-"/>
-            </a:pPr>
-            <a:r>
-              <a:rPr lang="en-US" dirty="0" err="1" smtClean="0"/>
-              <a:t>Cloudwatch</a:t>
-            </a:r>
-            <a:r>
-              <a:rPr lang="en-US" dirty="0" smtClean="0"/>
-              <a:t> agent</a:t>
-            </a:r>
-          </a:p>
-          <a:p>
-            <a:pPr marL="285750" indent="-285750">
-              <a:buFontTx/>
-              <a:buChar char="-"/>
-            </a:pPr>
-            <a:r>
-              <a:rPr lang="en-US" dirty="0" err="1" smtClean="0"/>
-              <a:t>Cloudinit</a:t>
-            </a:r>
-            <a:r>
-              <a:rPr lang="en-US" dirty="0" smtClean="0"/>
-              <a:t> agent</a:t>
-            </a:r>
-            <a:endParaRPr lang="ru-RU" dirty="0"/>
           </a:p>
         </p:txBody>
       </p:sp>
       <p:pic>
         <p:nvPicPr>
-          <p:cNvPr id="5" name="Рисунок 4"/>
+          <p:cNvPr id="3" name="Рисунок 2"/>
           <p:cNvPicPr>
             <a:picLocks noChangeAspect="1"/>
           </p:cNvPicPr>
@@ -5228,8 +5114,8 @@
         </p:blipFill>
         <p:spPr>
           <a:xfrm>
-            <a:off x="3790948" y="3769251"/>
-            <a:ext cx="7991475" cy="2621446"/>
+            <a:off x="5924550" y="1939016"/>
+            <a:ext cx="5868618" cy="2908951"/>
           </a:xfrm>
           <a:prstGeom prst="rect">
             <a:avLst/>
@@ -5241,39 +5127,178 @@
           </a:ln>
         </p:spPr>
       </p:pic>
-      <p:pic>
-        <p:nvPicPr>
-          <p:cNvPr id="7" name="Рисунок 6"/>
-          <p:cNvPicPr>
-            <a:picLocks noChangeAspect="1"/>
-          </p:cNvPicPr>
-          <p:nvPr/>
-        </p:nvPicPr>
-        <p:blipFill>
-          <a:blip r:embed="rId3"/>
-          <a:stretch>
-            <a:fillRect/>
-          </a:stretch>
-        </p:blipFill>
-        <p:spPr>
-          <a:xfrm>
-            <a:off x="4287661" y="794161"/>
-            <a:ext cx="6694663" cy="2662877"/>
+      <p:sp>
+        <p:nvSpPr>
+          <p:cNvPr id="6" name="TextBox 5"/>
+          <p:cNvSpPr txBox="1"/>
+          <p:nvPr/>
+        </p:nvSpPr>
+        <p:spPr>
+          <a:xfrm>
+            <a:off x="825844" y="1985645"/>
+            <a:ext cx="4610100" cy="2862322"/>
           </a:xfrm>
           <a:prstGeom prst="rect">
             <a:avLst/>
           </a:prstGeom>
-          <a:ln>
-            <a:solidFill>
-              <a:schemeClr val="tx1"/>
-            </a:solidFill>
-          </a:ln>
-        </p:spPr>
-      </p:pic>
+          <a:noFill/>
+        </p:spPr>
+        <p:txBody>
+          <a:bodyPr wrap="square" rtlCol="0">
+            <a:spAutoFit/>
+          </a:bodyPr>
+          <a:lstStyle/>
+          <a:p>
+            <a:r>
+              <a:rPr lang="en-US" dirty="0" smtClean="0"/>
+              <a:t>Cluster dashboard:</a:t>
+            </a:r>
+          </a:p>
+          <a:p>
+            <a:pPr marL="285750" indent="-285750">
+              <a:buFontTx/>
+              <a:buChar char="-"/>
+            </a:pPr>
+            <a:r>
+              <a:rPr lang="en-US" dirty="0" smtClean="0"/>
+              <a:t>Disk</a:t>
+            </a:r>
+          </a:p>
+          <a:p>
+            <a:pPr marL="285750" indent="-285750">
+              <a:buFontTx/>
+              <a:buChar char="-"/>
+            </a:pPr>
+            <a:r>
+              <a:rPr lang="en-US" dirty="0" err="1" smtClean="0"/>
+              <a:t>Cpu</a:t>
+            </a:r>
+            <a:endParaRPr lang="en-US" dirty="0" smtClean="0"/>
+          </a:p>
+          <a:p>
+            <a:pPr marL="285750" indent="-285750">
+              <a:buFontTx/>
+              <a:buChar char="-"/>
+            </a:pPr>
+            <a:r>
+              <a:rPr lang="en-US" dirty="0" smtClean="0"/>
+              <a:t>Memory</a:t>
+            </a:r>
+          </a:p>
+          <a:p>
+            <a:pPr marL="285750" indent="-285750">
+              <a:buFontTx/>
+              <a:buChar char="-"/>
+            </a:pPr>
+            <a:r>
+              <a:rPr lang="en-US" dirty="0" smtClean="0"/>
+              <a:t>network</a:t>
+            </a:r>
+          </a:p>
+          <a:p>
+            <a:pPr marL="285750" indent="-285750">
+              <a:buFontTx/>
+              <a:buChar char="-"/>
+            </a:pPr>
+            <a:r>
+              <a:rPr lang="en-US" dirty="0" smtClean="0"/>
+              <a:t>Number of pod</a:t>
+            </a:r>
+          </a:p>
+          <a:p>
+            <a:pPr marL="285750" indent="-285750">
+              <a:buFontTx/>
+              <a:buChar char="-"/>
+            </a:pPr>
+            <a:r>
+              <a:rPr lang="en-US" dirty="0" smtClean="0"/>
+              <a:t>Number of nodes</a:t>
+            </a:r>
+          </a:p>
+          <a:p>
+            <a:pPr marL="285750" indent="-285750">
+              <a:buFontTx/>
+              <a:buChar char="-"/>
+            </a:pPr>
+            <a:r>
+              <a:rPr lang="en-US" dirty="0" smtClean="0"/>
+              <a:t>RDS free space and connection number</a:t>
+            </a:r>
+          </a:p>
+          <a:p>
+            <a:pPr marL="285750" indent="-285750">
+              <a:buFontTx/>
+              <a:buChar char="-"/>
+            </a:pPr>
+            <a:endParaRPr lang="en-US" dirty="0" smtClean="0"/>
+          </a:p>
+          <a:p>
+            <a:pPr marL="285750" indent="-285750">
+              <a:buFontTx/>
+              <a:buChar char="-"/>
+            </a:pPr>
+            <a:endParaRPr lang="ru-RU" dirty="0"/>
+          </a:p>
+        </p:txBody>
+      </p:sp>
+      <p:sp>
+        <p:nvSpPr>
+          <p:cNvPr id="7" name="TextBox 6"/>
+          <p:cNvSpPr txBox="1"/>
+          <p:nvPr/>
+        </p:nvSpPr>
+        <p:spPr>
+          <a:xfrm>
+            <a:off x="2792627" y="996778"/>
+            <a:ext cx="6686510" cy="1015663"/>
+          </a:xfrm>
+          <a:prstGeom prst="rect">
+            <a:avLst/>
+          </a:prstGeom>
+          <a:noFill/>
+        </p:spPr>
+        <p:txBody>
+          <a:bodyPr wrap="none" rtlCol="0">
+            <a:spAutoFit/>
+          </a:bodyPr>
+          <a:lstStyle/>
+          <a:p>
+            <a:r>
+              <a:rPr lang="ru-RU" sz="6000" dirty="0" smtClean="0">
+                <a:solidFill>
+                  <a:srgbClr val="FF0000"/>
+                </a:solidFill>
+              </a:rPr>
+              <a:t>ДОБАВИТЬ</a:t>
+            </a:r>
+            <a:r>
+              <a:rPr lang="en-US" sz="6000" dirty="0" smtClean="0">
+                <a:solidFill>
+                  <a:srgbClr val="FF0000"/>
+                </a:solidFill>
+              </a:rPr>
+              <a:t> </a:t>
+            </a:r>
+            <a:r>
+              <a:rPr lang="ru-RU" sz="6000" dirty="0" smtClean="0">
+                <a:solidFill>
+                  <a:srgbClr val="FF0000"/>
+                </a:solidFill>
+              </a:rPr>
+              <a:t>СКРИНЫ</a:t>
+            </a:r>
+            <a:endParaRPr lang="ru-RU" sz="6000" dirty="0">
+              <a:solidFill>
+                <a:srgbClr val="FF0000"/>
+              </a:solidFill>
+            </a:endParaRPr>
+          </a:p>
+        </p:txBody>
+      </p:sp>
     </p:spTree>
     <p:extLst>
       <p:ext uri="{BB962C8B-B14F-4D97-AF65-F5344CB8AC3E}">
-        <p14:creationId xmlns:p14="http://schemas.microsoft.com/office/powerpoint/2010/main" val="3816165753"/>
+        <p14:creationId xmlns:p14="http://schemas.microsoft.com/office/powerpoint/2010/main" val="3193517520"/>
       </p:ext>
     </p:extLst>
   </p:cSld>
@@ -5302,6 +5327,252 @@
       </p:grpSpPr>
       <p:sp>
         <p:nvSpPr>
+          <p:cNvPr id="2" name="TextBox 1"/>
+          <p:cNvSpPr txBox="1"/>
+          <p:nvPr/>
+        </p:nvSpPr>
+        <p:spPr>
+          <a:xfrm>
+            <a:off x="5075649" y="73029"/>
+            <a:ext cx="971869" cy="523220"/>
+          </a:xfrm>
+          <a:prstGeom prst="rect">
+            <a:avLst/>
+          </a:prstGeom>
+          <a:noFill/>
+        </p:spPr>
+        <p:txBody>
+          <a:bodyPr wrap="none" rtlCol="0">
+            <a:spAutoFit/>
+          </a:bodyPr>
+          <a:lstStyle/>
+          <a:p>
+            <a:r>
+              <a:rPr lang="en-US" sz="2800" b="1" dirty="0" smtClean="0"/>
+              <a:t>LOGS</a:t>
+            </a:r>
+            <a:endParaRPr lang="ru-RU" sz="2800" b="1" dirty="0"/>
+          </a:p>
+        </p:txBody>
+      </p:sp>
+      <p:sp>
+        <p:nvSpPr>
+          <p:cNvPr id="3" name="TextBox 2"/>
+          <p:cNvSpPr txBox="1"/>
+          <p:nvPr/>
+        </p:nvSpPr>
+        <p:spPr>
+          <a:xfrm>
+            <a:off x="1133475" y="1638300"/>
+            <a:ext cx="1600887" cy="1200329"/>
+          </a:xfrm>
+          <a:prstGeom prst="rect">
+            <a:avLst/>
+          </a:prstGeom>
+          <a:noFill/>
+        </p:spPr>
+        <p:txBody>
+          <a:bodyPr wrap="none" rtlCol="0">
+            <a:spAutoFit/>
+          </a:bodyPr>
+          <a:lstStyle/>
+          <a:p>
+            <a:r>
+              <a:rPr lang="en-US" dirty="0" smtClean="0"/>
+              <a:t>Cluster logs:</a:t>
+            </a:r>
+          </a:p>
+          <a:p>
+            <a:pPr marL="285750" indent="-285750">
+              <a:buFontTx/>
+              <a:buChar char="-"/>
+            </a:pPr>
+            <a:r>
+              <a:rPr lang="en-US" dirty="0" smtClean="0"/>
+              <a:t>pods</a:t>
+            </a:r>
+          </a:p>
+          <a:p>
+            <a:pPr marL="285750" indent="-285750">
+              <a:buFontTx/>
+              <a:buChar char="-"/>
+            </a:pPr>
+            <a:r>
+              <a:rPr lang="en-US" dirty="0" smtClean="0"/>
+              <a:t>applications</a:t>
+            </a:r>
+          </a:p>
+          <a:p>
+            <a:pPr marL="285750" indent="-285750">
+              <a:buFontTx/>
+              <a:buChar char="-"/>
+            </a:pPr>
+            <a:endParaRPr lang="ru-RU" dirty="0"/>
+          </a:p>
+        </p:txBody>
+      </p:sp>
+      <p:sp>
+        <p:nvSpPr>
+          <p:cNvPr id="4" name="TextBox 3"/>
+          <p:cNvSpPr txBox="1"/>
+          <p:nvPr/>
+        </p:nvSpPr>
+        <p:spPr>
+          <a:xfrm>
+            <a:off x="1052717" y="4394084"/>
+            <a:ext cx="2162451" cy="1200329"/>
+          </a:xfrm>
+          <a:prstGeom prst="rect">
+            <a:avLst/>
+          </a:prstGeom>
+          <a:noFill/>
+        </p:spPr>
+        <p:txBody>
+          <a:bodyPr wrap="none" rtlCol="0">
+            <a:spAutoFit/>
+          </a:bodyPr>
+          <a:lstStyle/>
+          <a:p>
+            <a:r>
+              <a:rPr lang="en-US" dirty="0" smtClean="0"/>
+              <a:t>Runner logs:</a:t>
+            </a:r>
+          </a:p>
+          <a:p>
+            <a:pPr marL="285750" indent="-285750">
+              <a:buFontTx/>
+              <a:buChar char="-"/>
+            </a:pPr>
+            <a:r>
+              <a:rPr lang="en-US" dirty="0" err="1" smtClean="0"/>
+              <a:t>Github</a:t>
+            </a:r>
+            <a:r>
+              <a:rPr lang="en-US" dirty="0" smtClean="0"/>
+              <a:t> runner</a:t>
+            </a:r>
+          </a:p>
+          <a:p>
+            <a:pPr marL="285750" indent="-285750">
+              <a:buFontTx/>
+              <a:buChar char="-"/>
+            </a:pPr>
+            <a:r>
+              <a:rPr lang="en-US" dirty="0" err="1" smtClean="0"/>
+              <a:t>Cloudwatch</a:t>
+            </a:r>
+            <a:r>
+              <a:rPr lang="en-US" dirty="0" smtClean="0"/>
+              <a:t> agent</a:t>
+            </a:r>
+          </a:p>
+          <a:p>
+            <a:pPr marL="285750" indent="-285750">
+              <a:buFontTx/>
+              <a:buChar char="-"/>
+            </a:pPr>
+            <a:r>
+              <a:rPr lang="en-US" dirty="0" err="1" smtClean="0"/>
+              <a:t>Cloudinit</a:t>
+            </a:r>
+            <a:r>
+              <a:rPr lang="en-US" dirty="0" smtClean="0"/>
+              <a:t> agent</a:t>
+            </a:r>
+            <a:endParaRPr lang="ru-RU" dirty="0"/>
+          </a:p>
+        </p:txBody>
+      </p:sp>
+      <p:pic>
+        <p:nvPicPr>
+          <p:cNvPr id="5" name="Рисунок 4"/>
+          <p:cNvPicPr>
+            <a:picLocks noChangeAspect="1"/>
+          </p:cNvPicPr>
+          <p:nvPr/>
+        </p:nvPicPr>
+        <p:blipFill>
+          <a:blip r:embed="rId2"/>
+          <a:stretch>
+            <a:fillRect/>
+          </a:stretch>
+        </p:blipFill>
+        <p:spPr>
+          <a:xfrm>
+            <a:off x="3790948" y="3769251"/>
+            <a:ext cx="7991475" cy="2621446"/>
+          </a:xfrm>
+          <a:prstGeom prst="rect">
+            <a:avLst/>
+          </a:prstGeom>
+          <a:ln>
+            <a:solidFill>
+              <a:schemeClr val="tx1"/>
+            </a:solidFill>
+          </a:ln>
+        </p:spPr>
+      </p:pic>
+      <p:pic>
+        <p:nvPicPr>
+          <p:cNvPr id="7" name="Рисунок 6"/>
+          <p:cNvPicPr>
+            <a:picLocks noChangeAspect="1"/>
+          </p:cNvPicPr>
+          <p:nvPr/>
+        </p:nvPicPr>
+        <p:blipFill>
+          <a:blip r:embed="rId3"/>
+          <a:stretch>
+            <a:fillRect/>
+          </a:stretch>
+        </p:blipFill>
+        <p:spPr>
+          <a:xfrm>
+            <a:off x="4287661" y="794161"/>
+            <a:ext cx="6694663" cy="2662877"/>
+          </a:xfrm>
+          <a:prstGeom prst="rect">
+            <a:avLst/>
+          </a:prstGeom>
+          <a:ln>
+            <a:solidFill>
+              <a:schemeClr val="tx1"/>
+            </a:solidFill>
+          </a:ln>
+        </p:spPr>
+      </p:pic>
+    </p:spTree>
+    <p:extLst>
+      <p:ext uri="{BB962C8B-B14F-4D97-AF65-F5344CB8AC3E}">
+        <p14:creationId xmlns:p14="http://schemas.microsoft.com/office/powerpoint/2010/main" val="3816165753"/>
+      </p:ext>
+    </p:extLst>
+  </p:cSld>
+  <p:clrMapOvr>
+    <a:masterClrMapping/>
+  </p:clrMapOvr>
+</p:sld>
+</file>
+
+<file path=ppt/slides/slide16.xml><?xml version="1.0" encoding="utf-8"?>
+<p:sld xmlns:a="http://schemas.openxmlformats.org/drawingml/2006/main" xmlns:r="http://schemas.openxmlformats.org/officeDocument/2006/relationships" xmlns:p="http://schemas.openxmlformats.org/presentationml/2006/main">
+  <p:cSld>
+    <p:spTree>
+      <p:nvGrpSpPr>
+        <p:cNvPr id="1" name=""/>
+        <p:cNvGrpSpPr/>
+        <p:nvPr/>
+      </p:nvGrpSpPr>
+      <p:grpSpPr>
+        <a:xfrm>
+          <a:off x="0" y="0"/>
+          <a:ext cx="0" cy="0"/>
+          <a:chOff x="0" y="0"/>
+          <a:chExt cx="0" cy="0"/>
+        </a:xfrm>
+      </p:grpSpPr>
+      <p:sp>
+        <p:nvSpPr>
           <p:cNvPr id="4" name="TextBox 3"/>
           <p:cNvSpPr txBox="1"/>
           <p:nvPr/>
@@ -5517,7 +5788,7 @@
 </p:sld>
 </file>
 
-<file path=ppt/slides/slide16.xml><?xml version="1.0" encoding="utf-8"?>
+<file path=ppt/slides/slide17.xml><?xml version="1.0" encoding="utf-8"?>
 <p:sld xmlns:a="http://schemas.openxmlformats.org/drawingml/2006/main" xmlns:r="http://schemas.openxmlformats.org/officeDocument/2006/relationships" xmlns:p="http://schemas.openxmlformats.org/presentationml/2006/main">
   <p:cSld>
     <p:spTree>
@@ -7005,7 +7276,7 @@
 </p:sld>
 </file>
 
-<file path=ppt/slides/slide17.xml><?xml version="1.0" encoding="utf-8"?>
+<file path=ppt/slides/slide18.xml><?xml version="1.0" encoding="utf-8"?>
 <p:sld xmlns:a="http://schemas.openxmlformats.org/drawingml/2006/main" xmlns:r="http://schemas.openxmlformats.org/officeDocument/2006/relationships" xmlns:p="http://schemas.openxmlformats.org/presentationml/2006/main">
   <p:cSld>
     <p:spTree>
@@ -7245,7 +7516,7 @@
 </p:sld>
 </file>
 
-<file path=ppt/slides/slide18.xml><?xml version="1.0" encoding="utf-8"?>
+<file path=ppt/slides/slide19.xml><?xml version="1.0" encoding="utf-8"?>
 <p:sld xmlns:a="http://schemas.openxmlformats.org/drawingml/2006/main" xmlns:r="http://schemas.openxmlformats.org/officeDocument/2006/relationships" xmlns:p="http://schemas.openxmlformats.org/presentationml/2006/main">
   <p:cSld>
     <p:spTree>
@@ -7851,7 +8122,239 @@
 </p:sld>
 </file>
 
-<file path=ppt/slides/slide19.xml><?xml version="1.0" encoding="utf-8"?>
+<file path=ppt/slides/slide2.xml><?xml version="1.0" encoding="utf-8"?>
+<p:sld xmlns:a="http://schemas.openxmlformats.org/drawingml/2006/main" xmlns:r="http://schemas.openxmlformats.org/officeDocument/2006/relationships" xmlns:p="http://schemas.openxmlformats.org/presentationml/2006/main">
+  <p:cSld>
+    <p:spTree>
+      <p:nvGrpSpPr>
+        <p:cNvPr id="1" name=""/>
+        <p:cNvGrpSpPr/>
+        <p:nvPr/>
+      </p:nvGrpSpPr>
+      <p:grpSpPr>
+        <a:xfrm>
+          <a:off x="0" y="0"/>
+          <a:ext cx="0" cy="0"/>
+          <a:chOff x="0" y="0"/>
+          <a:chExt cx="0" cy="0"/>
+        </a:xfrm>
+      </p:grpSpPr>
+      <p:sp>
+        <p:nvSpPr>
+          <p:cNvPr id="6" name="TextBox 5"/>
+          <p:cNvSpPr txBox="1"/>
+          <p:nvPr/>
+        </p:nvSpPr>
+        <p:spPr>
+          <a:xfrm>
+            <a:off x="1086880" y="1475345"/>
+            <a:ext cx="3498843" cy="5632311"/>
+          </a:xfrm>
+          <a:prstGeom prst="rect">
+            <a:avLst/>
+          </a:prstGeom>
+          <a:noFill/>
+        </p:spPr>
+        <p:txBody>
+          <a:bodyPr wrap="none" rtlCol="0">
+            <a:spAutoFit/>
+          </a:bodyPr>
+          <a:lstStyle/>
+          <a:p>
+            <a:pPr marL="342900" indent="-342900">
+              <a:buAutoNum type="arabicParenR"/>
+            </a:pPr>
+            <a:r>
+              <a:rPr lang="en-US" dirty="0" smtClean="0"/>
+              <a:t>Task and r</a:t>
+            </a:r>
+            <a:r>
+              <a:rPr lang="ru-RU" dirty="0" err="1" smtClean="0"/>
+              <a:t>eqiurements</a:t>
+            </a:r>
+            <a:endParaRPr lang="en-US" dirty="0" smtClean="0"/>
+          </a:p>
+          <a:p>
+            <a:pPr marL="342900" indent="-342900">
+              <a:buAutoNum type="arabicParenR"/>
+            </a:pPr>
+            <a:r>
+              <a:rPr lang="en-US" dirty="0" smtClean="0"/>
+              <a:t>Selected tools and technologies</a:t>
+            </a:r>
+            <a:endParaRPr lang="ru-RU" dirty="0" smtClean="0"/>
+          </a:p>
+          <a:p>
+            <a:pPr marL="342900" indent="-342900">
+              <a:buAutoNum type="arabicParenR"/>
+            </a:pPr>
+            <a:r>
+              <a:rPr lang="en-US" dirty="0" smtClean="0"/>
+              <a:t>Infrastructure</a:t>
+            </a:r>
+          </a:p>
+          <a:p>
+            <a:pPr marL="342900" indent="-342900">
+              <a:buAutoNum type="arabicParenR"/>
+            </a:pPr>
+            <a:r>
+              <a:rPr lang="en-US" dirty="0" smtClean="0"/>
+              <a:t>Push action example</a:t>
+            </a:r>
+          </a:p>
+          <a:p>
+            <a:pPr marL="342900" indent="-342900">
+              <a:buAutoNum type="arabicParenR"/>
+            </a:pPr>
+            <a:r>
+              <a:rPr lang="en-US" dirty="0" smtClean="0"/>
+              <a:t>Versioning</a:t>
+            </a:r>
+          </a:p>
+          <a:p>
+            <a:pPr marL="342900" indent="-342900">
+              <a:buAutoNum type="arabicParenR"/>
+            </a:pPr>
+            <a:r>
+              <a:rPr lang="en-US" dirty="0" smtClean="0"/>
+              <a:t>Containerization</a:t>
+            </a:r>
+          </a:p>
+          <a:p>
+            <a:pPr marL="342900" indent="-342900">
+              <a:buAutoNum type="arabicParenR"/>
+            </a:pPr>
+            <a:r>
+              <a:rPr lang="en-US" dirty="0" smtClean="0"/>
+              <a:t>Alarm</a:t>
+            </a:r>
+          </a:p>
+          <a:p>
+            <a:pPr marL="342900" indent="-342900">
+              <a:buAutoNum type="arabicParenR"/>
+            </a:pPr>
+            <a:r>
+              <a:rPr lang="en-US" dirty="0" smtClean="0"/>
+              <a:t>Monitoring</a:t>
+            </a:r>
+          </a:p>
+          <a:p>
+            <a:pPr marL="342900" indent="-342900">
+              <a:buAutoNum type="arabicParenR"/>
+            </a:pPr>
+            <a:r>
+              <a:rPr lang="en-US" dirty="0" smtClean="0"/>
+              <a:t>Logs</a:t>
+            </a:r>
+          </a:p>
+          <a:p>
+            <a:pPr marL="342900" indent="-342900">
+              <a:buAutoNum type="arabicParenR"/>
+            </a:pPr>
+            <a:r>
+              <a:rPr lang="en-US" dirty="0" smtClean="0"/>
+              <a:t>Applications</a:t>
+            </a:r>
+          </a:p>
+          <a:p>
+            <a:pPr marL="342900" indent="-342900">
+              <a:buAutoNum type="arabicParenR"/>
+            </a:pPr>
+            <a:r>
+              <a:rPr lang="en-US" dirty="0" err="1" smtClean="0"/>
+              <a:t>Autoscaling</a:t>
+            </a:r>
+            <a:endParaRPr lang="en-US" dirty="0" smtClean="0"/>
+          </a:p>
+          <a:p>
+            <a:pPr marL="342900" indent="-342900">
+              <a:buAutoNum type="arabicParenR"/>
+            </a:pPr>
+            <a:r>
+              <a:rPr lang="en-US" dirty="0" smtClean="0"/>
+              <a:t>Load</a:t>
+            </a:r>
+            <a:r>
+              <a:rPr lang="ru-RU" dirty="0" smtClean="0"/>
+              <a:t> </a:t>
+            </a:r>
+            <a:r>
+              <a:rPr lang="en-US" dirty="0" smtClean="0"/>
+              <a:t>balancing</a:t>
+            </a:r>
+          </a:p>
+          <a:p>
+            <a:pPr marL="342900" indent="-342900">
+              <a:buAutoNum type="arabicParenR"/>
+            </a:pPr>
+            <a:r>
+              <a:rPr lang="en-US" dirty="0" smtClean="0"/>
+              <a:t>Pricing and coast</a:t>
+            </a:r>
+            <a:r>
+              <a:rPr lang="en-US" dirty="0"/>
+              <a:t>s</a:t>
+            </a:r>
+            <a:endParaRPr lang="en-US" dirty="0" smtClean="0"/>
+          </a:p>
+          <a:p>
+            <a:pPr marL="342900" indent="-342900">
+              <a:buAutoNum type="arabicParenR"/>
+            </a:pPr>
+            <a:endParaRPr lang="en-US" dirty="0" smtClean="0"/>
+          </a:p>
+          <a:p>
+            <a:pPr marL="342900" indent="-342900">
+              <a:buAutoNum type="arabicParenR"/>
+            </a:pPr>
+            <a:endParaRPr lang="en-US" dirty="0" smtClean="0"/>
+          </a:p>
+          <a:p>
+            <a:pPr marL="342900" indent="-342900">
+              <a:buAutoNum type="arabicParenR"/>
+            </a:pPr>
+            <a:endParaRPr lang="en-US" dirty="0" smtClean="0"/>
+          </a:p>
+          <a:p>
+            <a:pPr marL="342900" indent="-342900">
+              <a:buAutoNum type="arabicParenR"/>
+            </a:pPr>
+            <a:endParaRPr lang="en-US" dirty="0" smtClean="0"/>
+          </a:p>
+          <a:p>
+            <a:pPr marL="342900" indent="-342900">
+              <a:buAutoNum type="arabicParenR"/>
+            </a:pPr>
+            <a:endParaRPr lang="en-US" dirty="0" smtClean="0"/>
+          </a:p>
+          <a:p>
+            <a:pPr marL="342900" indent="-342900">
+              <a:buAutoNum type="arabicParenR"/>
+            </a:pPr>
+            <a:endParaRPr lang="en-US" dirty="0" smtClean="0"/>
+          </a:p>
+          <a:p>
+            <a:pPr marL="342900" indent="-342900">
+              <a:buAutoNum type="arabicParenR"/>
+            </a:pPr>
+            <a:endParaRPr lang="ru-RU" dirty="0"/>
+          </a:p>
+        </p:txBody>
+      </p:sp>
+    </p:spTree>
+    <p:extLst>
+      <p:ext uri="{BB962C8B-B14F-4D97-AF65-F5344CB8AC3E}">
+        <p14:creationId xmlns:p14="http://schemas.microsoft.com/office/powerpoint/2010/main" val="164486974"/>
+      </p:ext>
+    </p:extLst>
+  </p:cSld>
+  <p:clrMapOvr>
+    <a:masterClrMapping/>
+  </p:clrMapOvr>
+</p:sld>
+</file>
+
+<file path=ppt/slides/slide20.xml><?xml version="1.0" encoding="utf-8"?>
 <p:sld xmlns:a="http://schemas.openxmlformats.org/drawingml/2006/main" xmlns:r="http://schemas.openxmlformats.org/officeDocument/2006/relationships" xmlns:p="http://schemas.openxmlformats.org/presentationml/2006/main">
   <p:cSld>
     <p:spTree>
@@ -9651,7 +10154,7 @@
 </p:sld>
 </file>
 
-<file path=ppt/slides/slide2.xml><?xml version="1.0" encoding="utf-8"?>
+<file path=ppt/slides/slide21.xml><?xml version="1.0" encoding="utf-8"?>
 <p:sld xmlns:a="http://schemas.openxmlformats.org/drawingml/2006/main" xmlns:r="http://schemas.openxmlformats.org/officeDocument/2006/relationships" xmlns:p="http://schemas.openxmlformats.org/presentationml/2006/main">
   <p:cSld>
     <p:spTree>
@@ -9670,14 +10173,14 @@
       </p:grpSpPr>
       <p:sp>
         <p:nvSpPr>
-          <p:cNvPr id="6" name="TextBox 5"/>
+          <p:cNvPr id="4" name="TextBox 3"/>
           <p:cNvSpPr txBox="1"/>
           <p:nvPr/>
         </p:nvSpPr>
         <p:spPr>
           <a:xfrm>
-            <a:off x="1086880" y="1475345"/>
-            <a:ext cx="3498843" cy="5632311"/>
+            <a:off x="5123935" y="2619632"/>
+            <a:ext cx="1148071" cy="1015663"/>
           </a:xfrm>
           <a:prstGeom prst="rect">
             <a:avLst/>
@@ -9690,190 +10193,18 @@
           </a:bodyPr>
           <a:lstStyle/>
           <a:p>
-            <a:pPr marL="342900" indent="-342900">
-              <a:buAutoNum type="arabicParenR"/>
-            </a:pPr>
-            <a:r>
-              <a:rPr lang="en-US" dirty="0" smtClean="0"/>
-              <a:t>Task and r</a:t>
-            </a:r>
-            <a:r>
-              <a:rPr lang="ru-RU" dirty="0" err="1" smtClean="0"/>
-              <a:t>eqiurements</a:t>
-            </a:r>
-            <a:endParaRPr lang="en-US" dirty="0" smtClean="0"/>
-          </a:p>
-          <a:p>
-            <a:pPr marL="342900" indent="-342900">
-              <a:buAutoNum type="arabicParenR"/>
-            </a:pPr>
-            <a:r>
-              <a:rPr lang="en-US" dirty="0" smtClean="0"/>
-              <a:t>Selected tools and technologies</a:t>
-            </a:r>
-            <a:endParaRPr lang="ru-RU" dirty="0" smtClean="0"/>
-          </a:p>
-          <a:p>
-            <a:pPr marL="342900" indent="-342900">
-              <a:buAutoNum type="arabicParenR"/>
-            </a:pPr>
-            <a:r>
-              <a:rPr lang="en-US" dirty="0" smtClean="0"/>
-              <a:t>Infrastructure</a:t>
-            </a:r>
-          </a:p>
-          <a:p>
-            <a:pPr marL="342900" indent="-342900">
-              <a:buAutoNum type="arabicParenR"/>
-            </a:pPr>
-            <a:r>
-              <a:rPr lang="en-US" dirty="0" smtClean="0"/>
-              <a:t>Push action example</a:t>
-            </a:r>
-          </a:p>
-          <a:p>
-            <a:pPr marL="342900" indent="-342900">
-              <a:buAutoNum type="arabicParenR"/>
-            </a:pPr>
-            <a:r>
-              <a:rPr lang="en-US" dirty="0" smtClean="0"/>
-              <a:t>Versioning</a:t>
-            </a:r>
-          </a:p>
-          <a:p>
-            <a:pPr marL="342900" indent="-342900">
-              <a:buAutoNum type="arabicParenR"/>
-            </a:pPr>
-            <a:r>
-              <a:rPr lang="en-US" dirty="0" smtClean="0"/>
-              <a:t>Containerization</a:t>
-            </a:r>
-          </a:p>
-          <a:p>
-            <a:pPr marL="342900" indent="-342900">
-              <a:buAutoNum type="arabicParenR"/>
-            </a:pPr>
-            <a:r>
-              <a:rPr lang="en-US" dirty="0" smtClean="0"/>
-              <a:t>Alarm</a:t>
-            </a:r>
-          </a:p>
-          <a:p>
-            <a:pPr marL="342900" indent="-342900">
-              <a:buAutoNum type="arabicParenR"/>
-            </a:pPr>
-            <a:r>
-              <a:rPr lang="en-US" dirty="0" smtClean="0"/>
-              <a:t>Monitoring</a:t>
-            </a:r>
-          </a:p>
-          <a:p>
-            <a:pPr marL="342900" indent="-342900">
-              <a:buAutoNum type="arabicParenR"/>
-            </a:pPr>
-            <a:r>
-              <a:rPr lang="en-US" dirty="0" smtClean="0"/>
-              <a:t>Logs</a:t>
-            </a:r>
-          </a:p>
-          <a:p>
-            <a:pPr marL="342900" indent="-342900">
-              <a:buAutoNum type="arabicParenR"/>
-            </a:pPr>
-            <a:r>
-              <a:rPr lang="en-US" dirty="0" smtClean="0"/>
-              <a:t>Applications</a:t>
-            </a:r>
-          </a:p>
-          <a:p>
-            <a:pPr marL="342900" indent="-342900">
-              <a:buAutoNum type="arabicParenR"/>
-            </a:pPr>
-            <a:r>
-              <a:rPr lang="en-US" dirty="0" err="1" smtClean="0"/>
-              <a:t>Autoscaling</a:t>
-            </a:r>
-            <a:endParaRPr lang="en-US" dirty="0" smtClean="0"/>
-          </a:p>
-          <a:p>
-            <a:pPr marL="342900" indent="-342900">
-              <a:buAutoNum type="arabicParenR"/>
-            </a:pPr>
-            <a:r>
-              <a:rPr lang="en-US" dirty="0" smtClean="0"/>
-              <a:t>Load</a:t>
-            </a:r>
-            <a:r>
-              <a:rPr lang="ru-RU" dirty="0" smtClean="0"/>
-              <a:t> </a:t>
-            </a:r>
-            <a:r>
-              <a:rPr lang="en-US" dirty="0" smtClean="0"/>
-              <a:t>balancing</a:t>
-            </a:r>
-          </a:p>
-          <a:p>
-            <a:pPr marL="342900" indent="-342900">
-              <a:buAutoNum type="arabicParenR"/>
-            </a:pPr>
-            <a:r>
-              <a:rPr lang="en-US" dirty="0" smtClean="0"/>
-              <a:t>Pricing and coast</a:t>
-            </a:r>
-            <a:r>
-              <a:rPr lang="en-US" dirty="0"/>
-              <a:t>s</a:t>
-            </a:r>
-            <a:endParaRPr lang="en-US" dirty="0" smtClean="0"/>
-          </a:p>
-          <a:p>
-            <a:pPr marL="342900" indent="-342900">
-              <a:buAutoNum type="arabicParenR"/>
-            </a:pPr>
-            <a:endParaRPr lang="en-US" dirty="0" smtClean="0"/>
-          </a:p>
-          <a:p>
-            <a:pPr marL="342900" indent="-342900">
-              <a:buAutoNum type="arabicParenR"/>
-            </a:pPr>
-            <a:endParaRPr lang="en-US" dirty="0" smtClean="0"/>
-          </a:p>
-          <a:p>
-            <a:pPr marL="342900" indent="-342900">
-              <a:buAutoNum type="arabicParenR"/>
-            </a:pPr>
-            <a:endParaRPr lang="en-US" dirty="0" smtClean="0"/>
-          </a:p>
-          <a:p>
-            <a:pPr marL="342900" indent="-342900">
-              <a:buAutoNum type="arabicParenR"/>
-            </a:pPr>
-            <a:endParaRPr lang="en-US" dirty="0" smtClean="0"/>
-          </a:p>
-          <a:p>
-            <a:pPr marL="342900" indent="-342900">
-              <a:buAutoNum type="arabicParenR"/>
-            </a:pPr>
-            <a:endParaRPr lang="en-US" dirty="0" smtClean="0"/>
-          </a:p>
-          <a:p>
-            <a:pPr marL="342900" indent="-342900">
-              <a:buAutoNum type="arabicParenR"/>
-            </a:pPr>
-            <a:endParaRPr lang="en-US" dirty="0" smtClean="0"/>
-          </a:p>
-          <a:p>
-            <a:pPr marL="342900" indent="-342900">
-              <a:buAutoNum type="arabicParenR"/>
-            </a:pPr>
-            <a:endParaRPr lang="ru-RU" dirty="0"/>
+            <a:r>
+              <a:rPr lang="en-US" sz="6000" dirty="0" smtClean="0"/>
+              <a:t>QA</a:t>
+            </a:r>
+            <a:endParaRPr lang="ru-RU" sz="6000" dirty="0"/>
           </a:p>
         </p:txBody>
       </p:sp>
     </p:spTree>
     <p:extLst>
       <p:ext uri="{BB962C8B-B14F-4D97-AF65-F5344CB8AC3E}">
-        <p14:creationId xmlns:p14="http://schemas.microsoft.com/office/powerpoint/2010/main" val="164486974"/>
+        <p14:creationId xmlns:p14="http://schemas.microsoft.com/office/powerpoint/2010/main" val="2664696879"/>
       </p:ext>
     </p:extLst>
   </p:cSld>
@@ -10106,14 +10437,14 @@
           <p:nvPr>
             <p:extLst>
               <p:ext uri="{D42A27DB-BD31-4B8C-83A1-F6EECF244321}">
-                <p14:modId xmlns:p14="http://schemas.microsoft.com/office/powerpoint/2010/main" val="2980181751"/>
+                <p14:modId xmlns:p14="http://schemas.microsoft.com/office/powerpoint/2010/main" val="4120876720"/>
               </p:ext>
             </p:extLst>
           </p:nvPr>
         </p:nvGraphicFramePr>
         <p:xfrm>
           <a:off x="825585" y="715289"/>
-          <a:ext cx="10387916" cy="5684520"/>
+          <a:ext cx="10387916" cy="5953760"/>
         </p:xfrm>
         <a:graphic>
           <a:graphicData uri="http://schemas.openxmlformats.org/drawingml/2006/table">
@@ -10547,7 +10878,7 @@
                       </a:r>
                       <a:r>
                         <a:rPr lang="en-US" dirty="0" smtClean="0"/>
-                        <a:t>, Bandit (optional)</a:t>
+                        <a:t>, </a:t>
                       </a:r>
                       <a:endParaRPr lang="ru-RU" dirty="0"/>
                     </a:p>
@@ -10605,22 +10936,6 @@
                     <a:bodyPr/>
                     <a:lstStyle/>
                     <a:p>
-                      <a:r>
-                        <a:rPr lang="en-US" dirty="0" smtClean="0"/>
-                        <a:t>Bandit</a:t>
-                      </a:r>
-                      <a:r>
-                        <a:rPr lang="en-US" baseline="0" dirty="0" smtClean="0"/>
-                        <a:t> disabled, but you can </a:t>
-                      </a:r>
-                      <a:r>
-                        <a:rPr lang="en-US" baseline="0" dirty="0" err="1" smtClean="0"/>
-                        <a:t>allways</a:t>
-                      </a:r>
-                      <a:r>
-                        <a:rPr lang="en-US" baseline="0" dirty="0" smtClean="0"/>
-                        <a:t> enable it uncommenting code section</a:t>
-                      </a:r>
                       <a:endParaRPr lang="ru-RU" dirty="0"/>
                     </a:p>
                   </a:txBody>
@@ -10668,6 +10983,13 @@
                         <a:rPr lang="en-US" dirty="0" err="1" smtClean="0"/>
                         <a:t>Sonarcube</a:t>
                       </a:r>
+                      <a:endParaRPr lang="en-US" dirty="0" smtClean="0"/>
+                    </a:p>
+                    <a:p>
+                      <a:r>
+                        <a:rPr lang="en-US" dirty="0" smtClean="0"/>
+                        <a:t>Bandit (optional)</a:t>
+                      </a:r>
                       <a:endParaRPr lang="ru-RU" dirty="0"/>
                     </a:p>
                   </a:txBody>
@@ -10696,7 +11018,40 @@
                     <a:bodyPr/>
                     <a:lstStyle/>
                     <a:p>
-                      <a:endParaRPr lang="ru-RU" dirty="0"/>
+                      <a:pPr marL="0" marR="0" lvl="0" indent="0" algn="l" defTabSz="914400" rtl="0" eaLnBrk="1" fontAlgn="auto" latinLnBrk="0" hangingPunct="1">
+                        <a:lnSpc>
+                          <a:spcPct val="100000"/>
+                        </a:lnSpc>
+                        <a:spcBef>
+                          <a:spcPts val="0"/>
+                        </a:spcBef>
+                        <a:spcAft>
+                          <a:spcPts val="0"/>
+                        </a:spcAft>
+                        <a:buClrTx/>
+                        <a:buSzTx/>
+                        <a:buFontTx/>
+                        <a:buNone/>
+                        <a:tabLst/>
+                        <a:defRPr/>
+                      </a:pPr>
+                      <a:r>
+                        <a:rPr lang="en-US" dirty="0" smtClean="0"/>
+                        <a:t>Bandit</a:t>
+                      </a:r>
+                      <a:r>
+                        <a:rPr lang="en-US" baseline="0" dirty="0" smtClean="0"/>
+                        <a:t> disabled, but you can </a:t>
+                      </a:r>
+                      <a:r>
+                        <a:rPr lang="en-US" baseline="0" dirty="0" err="1" smtClean="0"/>
+                        <a:t>allways</a:t>
+                      </a:r>
+                      <a:r>
+                        <a:rPr lang="en-US" baseline="0" dirty="0" smtClean="0"/>
+                        <a:t> enable it uncommenting code section</a:t>
+                      </a:r>
+                      <a:endParaRPr lang="ru-RU" dirty="0" smtClean="0"/>
                     </a:p>
                   </a:txBody>
                   <a:tcPr/>
@@ -10850,14 +11205,14 @@
           <p:nvPr>
             <p:extLst>
               <p:ext uri="{D42A27DB-BD31-4B8C-83A1-F6EECF244321}">
-                <p14:modId xmlns:p14="http://schemas.microsoft.com/office/powerpoint/2010/main" val="1897327107"/>
+                <p14:modId xmlns:p14="http://schemas.microsoft.com/office/powerpoint/2010/main" val="516594331"/>
               </p:ext>
             </p:extLst>
           </p:nvPr>
         </p:nvGraphicFramePr>
         <p:xfrm>
           <a:off x="914399" y="546671"/>
-          <a:ext cx="10387916" cy="3855720"/>
+          <a:ext cx="10387916" cy="4404360"/>
         </p:xfrm>
         <a:graphic>
           <a:graphicData uri="http://schemas.openxmlformats.org/drawingml/2006/table">
@@ -10984,6 +11339,10 @@
                     <a:bodyPr/>
                     <a:lstStyle/>
                     <a:p>
+                      <a:r>
+                        <a:rPr lang="en-US" dirty="0" smtClean="0"/>
+                        <a:t>Described in task requirements</a:t>
+                      </a:r>
                       <a:endParaRPr lang="ru-RU" dirty="0"/>
                     </a:p>
                   </a:txBody>
@@ -11051,6 +11410,10 @@
                     <a:bodyPr/>
                     <a:lstStyle/>
                     <a:p>
+                      <a:r>
+                        <a:rPr lang="en-US" dirty="0" smtClean="0"/>
+                        <a:t>Described in task requirements</a:t>
+                      </a:r>
                       <a:endParaRPr lang="ru-RU" dirty="0"/>
                     </a:p>
                   </a:txBody>
@@ -11126,28 +11489,6 @@
                     <a:bodyPr/>
                     <a:lstStyle/>
                     <a:p>
-                      <a:endParaRPr lang="ru-RU" dirty="0"/>
-                    </a:p>
-                  </a:txBody>
-                  <a:tcPr/>
-                </a:tc>
-                <a:tc>
-                  <a:txBody>
-                    <a:bodyPr/>
-                    <a:lstStyle/>
-                    <a:p>
-                      <a:endParaRPr lang="ru-RU" dirty="0"/>
-                    </a:p>
-                  </a:txBody>
-                  <a:tcPr/>
-                </a:tc>
-              </a:tr>
-              <a:tr h="370840">
-                <a:tc>
-                  <a:txBody>
-                    <a:bodyPr/>
-                    <a:lstStyle/>
-                    <a:p>
                       <a:pPr marL="0" marR="0" lvl="0" indent="0" algn="l" defTabSz="914400" rtl="0" eaLnBrk="1" fontAlgn="auto" latinLnBrk="0" hangingPunct="1">
                         <a:lnSpc>
                           <a:spcPct val="100000"/>
@@ -11167,53 +11508,9 @@
                       </a:pPr>
                       <a:r>
                         <a:rPr lang="en-US" dirty="0" smtClean="0"/>
-                        <a:t>Artifact</a:t>
-                      </a:r>
-                      <a:r>
-                        <a:rPr lang="en-US" baseline="0" dirty="0" smtClean="0"/>
-                        <a:t> r</a:t>
-                      </a:r>
-                      <a:r>
-                        <a:rPr lang="en-US" dirty="0" smtClean="0"/>
-                        <a:t>epository</a:t>
+                        <a:t>Described in task requirements</a:t>
                       </a:r>
                       <a:endParaRPr lang="ru-RU" dirty="0" smtClean="0"/>
-                    </a:p>
-                  </a:txBody>
-                  <a:tcPr/>
-                </a:tc>
-                <a:tc>
-                  <a:txBody>
-                    <a:bodyPr/>
-                    <a:lstStyle/>
-                    <a:p>
-                      <a:r>
-                        <a:rPr lang="en-US" dirty="0" smtClean="0"/>
-                        <a:t>AWS ECR</a:t>
-                      </a:r>
-                      <a:endParaRPr lang="ru-RU" dirty="0"/>
-                    </a:p>
-                  </a:txBody>
-                  <a:tcPr/>
-                </a:tc>
-                <a:tc>
-                  <a:txBody>
-                    <a:bodyPr/>
-                    <a:lstStyle/>
-                    <a:p>
-                      <a:r>
-                        <a:rPr lang="en-US" dirty="0" smtClean="0"/>
-                        <a:t>Build-in  AWS </a:t>
-                      </a:r>
-                      <a:r>
-                        <a:rPr lang="en-US" baseline="0" dirty="0" smtClean="0"/>
-                        <a:t>r</a:t>
-                      </a:r>
-                      <a:r>
-                        <a:rPr lang="en-US" dirty="0" smtClean="0"/>
-                        <a:t>epository</a:t>
-                      </a:r>
-                      <a:endParaRPr lang="ru-RU" dirty="0"/>
                     </a:p>
                   </a:txBody>
                   <a:tcPr/>
@@ -11254,6 +11551,93 @@
                       </a:pPr>
                       <a:r>
                         <a:rPr lang="en-US" dirty="0" smtClean="0"/>
+                        <a:t>Artifact</a:t>
+                      </a:r>
+                      <a:r>
+                        <a:rPr lang="en-US" baseline="0" dirty="0" smtClean="0"/>
+                        <a:t> r</a:t>
+                      </a:r>
+                      <a:r>
+                        <a:rPr lang="en-US" dirty="0" smtClean="0"/>
+                        <a:t>epository</a:t>
+                      </a:r>
+                      <a:endParaRPr lang="ru-RU" dirty="0" smtClean="0"/>
+                    </a:p>
+                  </a:txBody>
+                  <a:tcPr/>
+                </a:tc>
+                <a:tc>
+                  <a:txBody>
+                    <a:bodyPr/>
+                    <a:lstStyle/>
+                    <a:p>
+                      <a:r>
+                        <a:rPr lang="en-US" dirty="0" smtClean="0"/>
+                        <a:t>AWS ECR</a:t>
+                      </a:r>
+                      <a:endParaRPr lang="ru-RU" dirty="0"/>
+                    </a:p>
+                  </a:txBody>
+                  <a:tcPr/>
+                </a:tc>
+                <a:tc>
+                  <a:txBody>
+                    <a:bodyPr/>
+                    <a:lstStyle/>
+                    <a:p>
+                      <a:r>
+                        <a:rPr lang="en-US" dirty="0" smtClean="0"/>
+                        <a:t>Build-in  AWS </a:t>
+                      </a:r>
+                      <a:r>
+                        <a:rPr lang="en-US" baseline="0" dirty="0" smtClean="0"/>
+                        <a:t>r</a:t>
+                      </a:r>
+                      <a:r>
+                        <a:rPr lang="en-US" dirty="0" smtClean="0"/>
+                        <a:t>epository</a:t>
+                      </a:r>
+                      <a:endParaRPr lang="ru-RU" dirty="0"/>
+                    </a:p>
+                  </a:txBody>
+                  <a:tcPr/>
+                </a:tc>
+                <a:tc>
+                  <a:txBody>
+                    <a:bodyPr/>
+                    <a:lstStyle/>
+                    <a:p>
+                      <a:endParaRPr lang="ru-RU" dirty="0"/>
+                    </a:p>
+                  </a:txBody>
+                  <a:tcPr/>
+                </a:tc>
+              </a:tr>
+              <a:tr h="370840">
+                <a:tc>
+                  <a:txBody>
+                    <a:bodyPr/>
+                    <a:lstStyle/>
+                    <a:p>
+                      <a:pPr marL="0" marR="0" lvl="0" indent="0" algn="l" defTabSz="914400" rtl="0" eaLnBrk="1" fontAlgn="auto" latinLnBrk="0" hangingPunct="1">
+                        <a:lnSpc>
+                          <a:spcPct val="100000"/>
+                        </a:lnSpc>
+                        <a:spcBef>
+                          <a:spcPts val="0"/>
+                        </a:spcBef>
+                        <a:spcAft>
+                          <a:spcPts val="0"/>
+                        </a:spcAft>
+                        <a:buClrTx/>
+                        <a:buSzTx/>
+                        <a:buFontTx/>
+                        <a:buNone/>
+                        <a:tabLst/>
+                        <a:defRPr/>
+                      </a:pPr>
+                      <a:r>
+                        <a:rPr lang="en-US" dirty="0" smtClean="0"/>
                         <a:t>Monitoring</a:t>
                       </a:r>
                       <a:endParaRPr lang="ru-RU" dirty="0" smtClean="0"/>
@@ -11312,7 +11696,23 @@
                       </a:r>
                       <a:r>
                         <a:rPr lang="en-US" dirty="0" smtClean="0"/>
-                        <a:t> or ELK (EFK)</a:t>
+                        <a:t> or </a:t>
+                      </a:r>
+                      <a:r>
+                        <a:rPr lang="en-US" dirty="0" smtClean="0"/>
+                        <a:t>full</a:t>
+                      </a:r>
+                      <a:r>
+                        <a:rPr lang="en-US" baseline="0" dirty="0" smtClean="0"/>
+                        <a:t> </a:t>
+                      </a:r>
+                      <a:r>
+                        <a:rPr lang="en-US" dirty="0" smtClean="0"/>
+                        <a:t>ELK </a:t>
+                      </a:r>
+                      <a:r>
+                        <a:rPr lang="en-US" dirty="0" smtClean="0"/>
+                        <a:t>(EFK)</a:t>
                       </a:r>
                       <a:r>
                         <a:rPr lang="ru-RU" baseline="0" dirty="0" smtClean="0"/>
@@ -11328,7 +11728,24 @@
                       </a:r>
                       <a:r>
                         <a:rPr lang="en-US" baseline="0" dirty="0" smtClean="0"/>
-                        <a:t>) and its not cheap</a:t>
+                        <a:t>) and its not </a:t>
+                      </a:r>
+                      <a:r>
+                        <a:rPr lang="en-US" baseline="0" dirty="0" smtClean="0"/>
+                        <a:t>cheap.</a:t>
+                      </a:r>
+                    </a:p>
+                    <a:p>
+                      <a:endParaRPr lang="en-US" baseline="0" dirty="0" smtClean="0"/>
+                    </a:p>
+                    <a:p>
+                      <a:r>
+                        <a:rPr lang="en-US" baseline="0" dirty="0" err="1" smtClean="0"/>
+                        <a:t>Grafana</a:t>
+                      </a:r>
+                      <a:r>
+                        <a:rPr lang="en-US" baseline="0" dirty="0" smtClean="0"/>
+                        <a:t> added as optional</a:t>
                       </a:r>
                       <a:endParaRPr lang="ru-RU" dirty="0"/>
                     </a:p>

--- a/pres.pptx
+++ b/pres.pptx
@@ -263,7 +263,7 @@
           <a:p>
             <a:fld id="{EDA607E6-64F6-40E3-AC29-C51E54E522D7}" type="datetimeFigureOut">
               <a:rPr lang="ru-RU" smtClean="0"/>
-              <a:t>19.05.2022</a:t>
+              <a:t>24.05.2022</a:t>
             </a:fld>
             <a:endParaRPr lang="ru-RU"/>
           </a:p>
@@ -433,7 +433,7 @@
           <a:p>
             <a:fld id="{EDA607E6-64F6-40E3-AC29-C51E54E522D7}" type="datetimeFigureOut">
               <a:rPr lang="ru-RU" smtClean="0"/>
-              <a:t>19.05.2022</a:t>
+              <a:t>24.05.2022</a:t>
             </a:fld>
             <a:endParaRPr lang="ru-RU"/>
           </a:p>
@@ -613,7 +613,7 @@
           <a:p>
             <a:fld id="{EDA607E6-64F6-40E3-AC29-C51E54E522D7}" type="datetimeFigureOut">
               <a:rPr lang="ru-RU" smtClean="0"/>
-              <a:t>19.05.2022</a:t>
+              <a:t>24.05.2022</a:t>
             </a:fld>
             <a:endParaRPr lang="ru-RU"/>
           </a:p>
@@ -783,7 +783,7 @@
           <a:p>
             <a:fld id="{EDA607E6-64F6-40E3-AC29-C51E54E522D7}" type="datetimeFigureOut">
               <a:rPr lang="ru-RU" smtClean="0"/>
-              <a:t>19.05.2022</a:t>
+              <a:t>24.05.2022</a:t>
             </a:fld>
             <a:endParaRPr lang="ru-RU"/>
           </a:p>
@@ -1029,7 +1029,7 @@
           <a:p>
             <a:fld id="{EDA607E6-64F6-40E3-AC29-C51E54E522D7}" type="datetimeFigureOut">
               <a:rPr lang="ru-RU" smtClean="0"/>
-              <a:t>19.05.2022</a:t>
+              <a:t>24.05.2022</a:t>
             </a:fld>
             <a:endParaRPr lang="ru-RU"/>
           </a:p>
@@ -1261,7 +1261,7 @@
           <a:p>
             <a:fld id="{EDA607E6-64F6-40E3-AC29-C51E54E522D7}" type="datetimeFigureOut">
               <a:rPr lang="ru-RU" smtClean="0"/>
-              <a:t>19.05.2022</a:t>
+              <a:t>24.05.2022</a:t>
             </a:fld>
             <a:endParaRPr lang="ru-RU"/>
           </a:p>
@@ -1628,7 +1628,7 @@
           <a:p>
             <a:fld id="{EDA607E6-64F6-40E3-AC29-C51E54E522D7}" type="datetimeFigureOut">
               <a:rPr lang="ru-RU" smtClean="0"/>
-              <a:t>19.05.2022</a:t>
+              <a:t>24.05.2022</a:t>
             </a:fld>
             <a:endParaRPr lang="ru-RU"/>
           </a:p>
@@ -1746,7 +1746,7 @@
           <a:p>
             <a:fld id="{EDA607E6-64F6-40E3-AC29-C51E54E522D7}" type="datetimeFigureOut">
               <a:rPr lang="ru-RU" smtClean="0"/>
-              <a:t>19.05.2022</a:t>
+              <a:t>24.05.2022</a:t>
             </a:fld>
             <a:endParaRPr lang="ru-RU"/>
           </a:p>
@@ -1841,7 +1841,7 @@
           <a:p>
             <a:fld id="{EDA607E6-64F6-40E3-AC29-C51E54E522D7}" type="datetimeFigureOut">
               <a:rPr lang="ru-RU" smtClean="0"/>
-              <a:t>19.05.2022</a:t>
+              <a:t>24.05.2022</a:t>
             </a:fld>
             <a:endParaRPr lang="ru-RU"/>
           </a:p>
@@ -2118,7 +2118,7 @@
           <a:p>
             <a:fld id="{EDA607E6-64F6-40E3-AC29-C51E54E522D7}" type="datetimeFigureOut">
               <a:rPr lang="ru-RU" smtClean="0"/>
-              <a:t>19.05.2022</a:t>
+              <a:t>24.05.2022</a:t>
             </a:fld>
             <a:endParaRPr lang="ru-RU"/>
           </a:p>
@@ -2371,7 +2371,7 @@
           <a:p>
             <a:fld id="{EDA607E6-64F6-40E3-AC29-C51E54E522D7}" type="datetimeFigureOut">
               <a:rPr lang="ru-RU" smtClean="0"/>
-              <a:t>19.05.2022</a:t>
+              <a:t>24.05.2022</a:t>
             </a:fld>
             <a:endParaRPr lang="ru-RU"/>
           </a:p>
@@ -2611,7 +2611,7 @@
           <a:p>
             <a:fld id="{EDA607E6-64F6-40E3-AC29-C51E54E522D7}" type="datetimeFigureOut">
               <a:rPr lang="ru-RU" smtClean="0"/>
-              <a:t>19.05.2022</a:t>
+              <a:t>24.05.2022</a:t>
             </a:fld>
             <a:endParaRPr lang="ru-RU"/>
           </a:p>
@@ -5100,7 +5100,7 @@
       </p:sp>
       <p:pic>
         <p:nvPicPr>
-          <p:cNvPr id="3" name="Рисунок 2"/>
+          <p:cNvPr id="5" name="Рисунок 4"/>
           <p:cNvPicPr>
             <a:picLocks noChangeAspect="1"/>
           </p:cNvPicPr>
@@ -5114,143 +5114,48 @@
         </p:blipFill>
         <p:spPr>
           <a:xfrm>
-            <a:off x="5924550" y="1939016"/>
-            <a:ext cx="5868618" cy="2908951"/>
+            <a:off x="7446120" y="596249"/>
+            <a:ext cx="4527978" cy="2184572"/>
           </a:xfrm>
           <a:prstGeom prst="rect">
             <a:avLst/>
           </a:prstGeom>
-          <a:ln>
-            <a:solidFill>
-              <a:schemeClr val="tx1"/>
-            </a:solidFill>
-          </a:ln>
+        </p:spPr>
+      </p:pic>
+      <p:pic>
+        <p:nvPicPr>
+          <p:cNvPr id="8" name="Рисунок 7"/>
+          <p:cNvPicPr>
+            <a:picLocks noChangeAspect="1"/>
+          </p:cNvPicPr>
+          <p:nvPr/>
+        </p:nvPicPr>
+        <p:blipFill>
+          <a:blip r:embed="rId3"/>
+          <a:stretch>
+            <a:fillRect/>
+          </a:stretch>
+        </p:blipFill>
+        <p:spPr>
+          <a:xfrm>
+            <a:off x="3645153" y="1402623"/>
+            <a:ext cx="3800967" cy="1378198"/>
+          </a:xfrm>
+          <a:prstGeom prst="rect">
+            <a:avLst/>
+          </a:prstGeom>
         </p:spPr>
       </p:pic>
       <p:sp>
         <p:nvSpPr>
-          <p:cNvPr id="6" name="TextBox 5"/>
+          <p:cNvPr id="9" name="TextBox 8"/>
           <p:cNvSpPr txBox="1"/>
           <p:nvPr/>
         </p:nvSpPr>
         <p:spPr>
           <a:xfrm>
-            <a:off x="825844" y="1985645"/>
-            <a:ext cx="4610100" cy="2862322"/>
-          </a:xfrm>
-          <a:prstGeom prst="rect">
-            <a:avLst/>
-          </a:prstGeom>
-          <a:noFill/>
-        </p:spPr>
-        <p:txBody>
-          <a:bodyPr wrap="square" rtlCol="0">
-            <a:spAutoFit/>
-          </a:bodyPr>
-          <a:lstStyle/>
-          <a:p>
-            <a:r>
-              <a:rPr lang="en-US" dirty="0" smtClean="0"/>
-              <a:t>Cluster dashboard:</a:t>
-            </a:r>
-          </a:p>
-          <a:p>
-            <a:pPr marL="285750" indent="-285750">
-              <a:buFontTx/>
-              <a:buChar char="-"/>
-            </a:pPr>
-            <a:r>
-              <a:rPr lang="en-US" dirty="0" smtClean="0"/>
-              <a:t>Disk</a:t>
-            </a:r>
-          </a:p>
-          <a:p>
-            <a:pPr marL="285750" indent="-285750">
-              <a:buFontTx/>
-              <a:buChar char="-"/>
-            </a:pPr>
-            <a:r>
-              <a:rPr lang="en-US" dirty="0" err="1" smtClean="0"/>
-              <a:t>Cpu</a:t>
-            </a:r>
-            <a:endParaRPr lang="en-US" dirty="0" smtClean="0"/>
-          </a:p>
-          <a:p>
-            <a:pPr marL="285750" indent="-285750">
-              <a:buFontTx/>
-              <a:buChar char="-"/>
-            </a:pPr>
-            <a:r>
-              <a:rPr lang="en-US" dirty="0" smtClean="0"/>
-              <a:t>Memory</a:t>
-            </a:r>
-          </a:p>
-          <a:p>
-            <a:pPr marL="285750" indent="-285750">
-              <a:buFontTx/>
-              <a:buChar char="-"/>
-            </a:pPr>
-            <a:r>
-              <a:rPr lang="en-US" dirty="0" smtClean="0"/>
-              <a:t>network</a:t>
-            </a:r>
-          </a:p>
-          <a:p>
-            <a:pPr marL="285750" indent="-285750">
-              <a:buFontTx/>
-              <a:buChar char="-"/>
-            </a:pPr>
-            <a:r>
-              <a:rPr lang="en-US" dirty="0" smtClean="0"/>
-              <a:t>Number of pod</a:t>
-            </a:r>
-          </a:p>
-          <a:p>
-            <a:pPr marL="285750" indent="-285750">
-              <a:buFontTx/>
-              <a:buChar char="-"/>
-            </a:pPr>
-            <a:r>
-              <a:rPr lang="en-US" dirty="0" smtClean="0"/>
-              <a:t>Number of nodes</a:t>
-            </a:r>
-          </a:p>
-          <a:p>
-            <a:pPr marL="285750" indent="-285750">
-              <a:buFontTx/>
-              <a:buChar char="-"/>
-            </a:pPr>
-            <a:r>
-              <a:rPr lang="en-US" dirty="0" smtClean="0"/>
-              <a:t>RDS free space and connection number</a:t>
-            </a:r>
-          </a:p>
-          <a:p>
-            <a:pPr marL="285750" indent="-285750">
-              <a:buFontTx/>
-              <a:buChar char="-"/>
-            </a:pPr>
-            <a:endParaRPr lang="en-US" dirty="0" smtClean="0"/>
-          </a:p>
-          <a:p>
-            <a:pPr marL="285750" indent="-285750">
-              <a:buFontTx/>
-              <a:buChar char="-"/>
-            </a:pPr>
-            <a:endParaRPr lang="ru-RU" dirty="0"/>
-          </a:p>
-        </p:txBody>
-      </p:sp>
-      <p:sp>
-        <p:nvSpPr>
-          <p:cNvPr id="7" name="TextBox 6"/>
-          <p:cNvSpPr txBox="1"/>
-          <p:nvPr/>
-        </p:nvSpPr>
-        <p:spPr>
-          <a:xfrm>
-            <a:off x="2792627" y="996778"/>
-            <a:ext cx="6686510" cy="1015663"/>
+            <a:off x="326750" y="939114"/>
+            <a:ext cx="3874137" cy="369332"/>
           </a:xfrm>
           <a:prstGeom prst="rect">
             <a:avLst/>
@@ -5264,37 +5169,138 @@
           <a:lstStyle/>
           <a:p>
             <a:r>
-              <a:rPr lang="ru-RU" sz="6000" dirty="0" smtClean="0">
-                <a:solidFill>
-                  <a:srgbClr val="FF0000"/>
-                </a:solidFill>
-              </a:rPr>
-              <a:t>ДОБАВИТЬ</a:t>
-            </a:r>
-            <a:r>
-              <a:rPr lang="en-US" sz="6000" dirty="0" smtClean="0">
-                <a:solidFill>
-                  <a:srgbClr val="FF0000"/>
-                </a:solidFill>
-              </a:rPr>
-              <a:t> </a:t>
-            </a:r>
-            <a:r>
-              <a:rPr lang="ru-RU" sz="6000" dirty="0" smtClean="0">
-                <a:solidFill>
-                  <a:srgbClr val="FF0000"/>
-                </a:solidFill>
-              </a:rPr>
-              <a:t>СКРИНЫ</a:t>
-            </a:r>
-            <a:endParaRPr lang="ru-RU" sz="6000" dirty="0">
-              <a:solidFill>
-                <a:srgbClr val="FF0000"/>
-              </a:solidFill>
-            </a:endParaRPr>
+              <a:rPr lang="en-US" dirty="0" smtClean="0"/>
+              <a:t>Node exporter &gt; Prometheus &gt; </a:t>
+            </a:r>
+            <a:r>
+              <a:rPr lang="en-US" dirty="0" err="1" smtClean="0"/>
+              <a:t>Grafana</a:t>
+            </a:r>
+            <a:endParaRPr lang="ru-RU" dirty="0"/>
           </a:p>
         </p:txBody>
       </p:sp>
+      <p:sp>
+        <p:nvSpPr>
+          <p:cNvPr id="10" name="TextBox 9"/>
+          <p:cNvSpPr txBox="1"/>
+          <p:nvPr/>
+        </p:nvSpPr>
+        <p:spPr>
+          <a:xfrm>
+            <a:off x="564987" y="3995352"/>
+            <a:ext cx="3397661" cy="646331"/>
+          </a:xfrm>
+          <a:prstGeom prst="rect">
+            <a:avLst/>
+          </a:prstGeom>
+          <a:noFill/>
+        </p:spPr>
+        <p:txBody>
+          <a:bodyPr wrap="none" rtlCol="0">
+            <a:spAutoFit/>
+          </a:bodyPr>
+          <a:lstStyle/>
+          <a:p>
+            <a:pPr algn="ctr"/>
+            <a:r>
+              <a:rPr lang="en-US" dirty="0" smtClean="0"/>
+              <a:t>Loki &gt; </a:t>
+            </a:r>
+            <a:r>
+              <a:rPr lang="en-US" dirty="0" err="1" smtClean="0"/>
+              <a:t>Grafana</a:t>
+            </a:r>
+            <a:endParaRPr lang="en-US" dirty="0" smtClean="0"/>
+          </a:p>
+          <a:p>
+            <a:pPr algn="ctr"/>
+            <a:r>
+              <a:rPr lang="en-US" dirty="0" smtClean="0"/>
+              <a:t>(but only from </a:t>
+            </a:r>
+            <a:r>
+              <a:rPr lang="en-US" dirty="0" err="1" smtClean="0"/>
+              <a:t>kubernetes</a:t>
+            </a:r>
+            <a:r>
+              <a:rPr lang="en-US" dirty="0" smtClean="0"/>
+              <a:t> cluster)</a:t>
+            </a:r>
+            <a:endParaRPr lang="ru-RU" dirty="0"/>
+          </a:p>
+        </p:txBody>
+      </p:sp>
+      <p:sp>
+        <p:nvSpPr>
+          <p:cNvPr id="11" name="TextBox 10"/>
+          <p:cNvSpPr txBox="1"/>
+          <p:nvPr/>
+        </p:nvSpPr>
+        <p:spPr>
+          <a:xfrm>
+            <a:off x="2155127" y="5651157"/>
+            <a:ext cx="7634462" cy="830997"/>
+          </a:xfrm>
+          <a:prstGeom prst="rect">
+            <a:avLst/>
+          </a:prstGeom>
+          <a:noFill/>
+        </p:spPr>
+        <p:txBody>
+          <a:bodyPr wrap="none" rtlCol="0">
+            <a:spAutoFit/>
+          </a:bodyPr>
+          <a:lstStyle/>
+          <a:p>
+            <a:pPr algn="ctr"/>
+            <a:r>
+              <a:rPr lang="en-US" sz="2400" dirty="0" smtClean="0"/>
+              <a:t>But I choose AWS </a:t>
+            </a:r>
+            <a:r>
+              <a:rPr lang="en-US" sz="2400" dirty="0" err="1" smtClean="0"/>
+              <a:t>Cloudwatch</a:t>
+            </a:r>
+            <a:r>
+              <a:rPr lang="en-US" sz="2400" dirty="0" smtClean="0"/>
+              <a:t> and P-G-L added as optional. </a:t>
+            </a:r>
+          </a:p>
+          <a:p>
+            <a:pPr algn="ctr"/>
+            <a:r>
+              <a:rPr lang="en-US" sz="2400" dirty="0" smtClean="0"/>
+              <a:t>Why?</a:t>
+            </a:r>
+            <a:endParaRPr lang="ru-RU" sz="2400" dirty="0"/>
+          </a:p>
+        </p:txBody>
+      </p:sp>
+      <p:pic>
+        <p:nvPicPr>
+          <p:cNvPr id="12" name="Рисунок 11"/>
+          <p:cNvPicPr>
+            <a:picLocks noChangeAspect="1"/>
+          </p:cNvPicPr>
+          <p:nvPr/>
+        </p:nvPicPr>
+        <p:blipFill>
+          <a:blip r:embed="rId4"/>
+          <a:stretch>
+            <a:fillRect/>
+          </a:stretch>
+        </p:blipFill>
+        <p:spPr>
+          <a:xfrm>
+            <a:off x="4819134" y="2977950"/>
+            <a:ext cx="6647935" cy="2673207"/>
+          </a:xfrm>
+          <a:prstGeom prst="rect">
+            <a:avLst/>
+          </a:prstGeom>
+        </p:spPr>
+      </p:pic>
     </p:spTree>
     <p:extLst>
       <p:ext uri="{BB962C8B-B14F-4D97-AF65-F5344CB8AC3E}">
@@ -8410,14 +8416,14 @@
           <p:nvPr>
             <p:extLst>
               <p:ext uri="{D42A27DB-BD31-4B8C-83A1-F6EECF244321}">
-                <p14:modId xmlns:p14="http://schemas.microsoft.com/office/powerpoint/2010/main" val="3324182444"/>
+                <p14:modId xmlns:p14="http://schemas.microsoft.com/office/powerpoint/2010/main" val="3205696275"/>
               </p:ext>
             </p:extLst>
           </p:nvPr>
         </p:nvGraphicFramePr>
         <p:xfrm>
           <a:off x="533400" y="545828"/>
-          <a:ext cx="11201399" cy="6111240"/>
+          <a:ext cx="11201399" cy="5902960"/>
         </p:xfrm>
         <a:graphic>
           <a:graphicData uri="http://schemas.openxmlformats.org/drawingml/2006/table">
@@ -9758,13 +9764,19 @@
                         <a:rPr lang="en-US" sz="1600" dirty="0" smtClean="0">
                           <a:latin typeface="+mn-lt"/>
                         </a:rPr>
-                        <a:t> 10 metrics</a:t>
+                        <a:t> </a:t>
                       </a:r>
                       <a:r>
                         <a:rPr lang="en-US" sz="1600" baseline="0" dirty="0" smtClean="0">
                           <a:latin typeface="+mn-lt"/>
                         </a:rPr>
-                        <a:t>, 2 dashboard, 1 </a:t>
+                        <a:t>2 </a:t>
+                      </a:r>
+                      <a:r>
+                        <a:rPr lang="en-US" sz="1600" baseline="0" dirty="0" smtClean="0">
+                          <a:latin typeface="+mn-lt"/>
+                        </a:rPr>
+                        <a:t>dashboard, 1 </a:t>
                       </a:r>
                       <a:r>
                         <a:rPr lang="en-US" sz="1600" baseline="0" dirty="0" err="1" smtClean="0">
@@ -10437,14 +10449,14 @@
           <p:nvPr>
             <p:extLst>
               <p:ext uri="{D42A27DB-BD31-4B8C-83A1-F6EECF244321}">
-                <p14:modId xmlns:p14="http://schemas.microsoft.com/office/powerpoint/2010/main" val="4120876720"/>
+                <p14:modId xmlns:p14="http://schemas.microsoft.com/office/powerpoint/2010/main" val="1274494519"/>
               </p:ext>
             </p:extLst>
           </p:nvPr>
         </p:nvGraphicFramePr>
         <p:xfrm>
           <a:off x="825585" y="715289"/>
-          <a:ext cx="10387916" cy="5953760"/>
+          <a:ext cx="10387916" cy="5679440"/>
         </p:xfrm>
         <a:graphic>
           <a:graphicData uri="http://schemas.openxmlformats.org/drawingml/2006/table">
@@ -11044,12 +11056,16 @@
                         <a:t> disabled, but you can </a:t>
                       </a:r>
                       <a:r>
-                        <a:rPr lang="en-US" baseline="0" dirty="0" err="1" smtClean="0"/>
-                        <a:t>allways</a:t>
-                      </a:r>
-                      <a:r>
                         <a:rPr lang="en-US" baseline="0" dirty="0" smtClean="0"/>
-                        <a:t> enable it uncommenting code section</a:t>
+                        <a:t>always </a:t>
+                      </a:r>
+                      <a:r>
+                        <a:rPr lang="en-US" baseline="0" dirty="0" smtClean="0"/>
+                        <a:t>enable </a:t>
+                      </a:r>
+                      <a:r>
+                        <a:rPr lang="en-US" baseline="0" dirty="0" smtClean="0"/>
+                        <a:t>it</a:t>
                       </a:r>
                       <a:endParaRPr lang="ru-RU" dirty="0" smtClean="0"/>
                     </a:p>
@@ -11696,11 +11712,7 @@
                       </a:r>
                       <a:r>
                         <a:rPr lang="en-US" dirty="0" smtClean="0"/>
-                        <a:t> or </a:t>
-                      </a:r>
-                      <a:r>
-                        <a:rPr lang="en-US" dirty="0" smtClean="0"/>
-                        <a:t>full</a:t>
+                        <a:t> or full</a:t>
                       </a:r>
                       <a:r>
                         <a:rPr lang="en-US" baseline="0" dirty="0" smtClean="0"/>
@@ -11708,11 +11720,7 @@
                       </a:r>
                       <a:r>
                         <a:rPr lang="en-US" dirty="0" smtClean="0"/>
-                        <a:t>ELK </a:t>
-                      </a:r>
-                      <a:r>
-                        <a:rPr lang="en-US" dirty="0" smtClean="0"/>
-                        <a:t>(EFK)</a:t>
+                        <a:t>ELK (EFK)</a:t>
                       </a:r>
                       <a:r>
                         <a:rPr lang="ru-RU" baseline="0" dirty="0" smtClean="0"/>
@@ -11728,11 +11736,7 @@
                       </a:r>
                       <a:r>
                         <a:rPr lang="en-US" baseline="0" dirty="0" smtClean="0"/>
-                        <a:t>) and its not </a:t>
-                      </a:r>
-                      <a:r>
-                        <a:rPr lang="en-US" baseline="0" dirty="0" smtClean="0"/>
-                        <a:t>cheap.</a:t>
+                        <a:t>) and its not cheap.</a:t>
                       </a:r>
                     </a:p>
                     <a:p>

--- a/pres.pptx
+++ b/pres.pptx
@@ -263,7 +263,7 @@
           <a:p>
             <a:fld id="{EDA607E6-64F6-40E3-AC29-C51E54E522D7}" type="datetimeFigureOut">
               <a:rPr lang="ru-RU" smtClean="0"/>
-              <a:t>24.05.2022</a:t>
+              <a:t>25.05.2022</a:t>
             </a:fld>
             <a:endParaRPr lang="ru-RU"/>
           </a:p>
@@ -433,7 +433,7 @@
           <a:p>
             <a:fld id="{EDA607E6-64F6-40E3-AC29-C51E54E522D7}" type="datetimeFigureOut">
               <a:rPr lang="ru-RU" smtClean="0"/>
-              <a:t>24.05.2022</a:t>
+              <a:t>25.05.2022</a:t>
             </a:fld>
             <a:endParaRPr lang="ru-RU"/>
           </a:p>
@@ -613,7 +613,7 @@
           <a:p>
             <a:fld id="{EDA607E6-64F6-40E3-AC29-C51E54E522D7}" type="datetimeFigureOut">
               <a:rPr lang="ru-RU" smtClean="0"/>
-              <a:t>24.05.2022</a:t>
+              <a:t>25.05.2022</a:t>
             </a:fld>
             <a:endParaRPr lang="ru-RU"/>
           </a:p>
@@ -783,7 +783,7 @@
           <a:p>
             <a:fld id="{EDA607E6-64F6-40E3-AC29-C51E54E522D7}" type="datetimeFigureOut">
               <a:rPr lang="ru-RU" smtClean="0"/>
-              <a:t>24.05.2022</a:t>
+              <a:t>25.05.2022</a:t>
             </a:fld>
             <a:endParaRPr lang="ru-RU"/>
           </a:p>
@@ -1029,7 +1029,7 @@
           <a:p>
             <a:fld id="{EDA607E6-64F6-40E3-AC29-C51E54E522D7}" type="datetimeFigureOut">
               <a:rPr lang="ru-RU" smtClean="0"/>
-              <a:t>24.05.2022</a:t>
+              <a:t>25.05.2022</a:t>
             </a:fld>
             <a:endParaRPr lang="ru-RU"/>
           </a:p>
@@ -1261,7 +1261,7 @@
           <a:p>
             <a:fld id="{EDA607E6-64F6-40E3-AC29-C51E54E522D7}" type="datetimeFigureOut">
               <a:rPr lang="ru-RU" smtClean="0"/>
-              <a:t>24.05.2022</a:t>
+              <a:t>25.05.2022</a:t>
             </a:fld>
             <a:endParaRPr lang="ru-RU"/>
           </a:p>
@@ -1628,7 +1628,7 @@
           <a:p>
             <a:fld id="{EDA607E6-64F6-40E3-AC29-C51E54E522D7}" type="datetimeFigureOut">
               <a:rPr lang="ru-RU" smtClean="0"/>
-              <a:t>24.05.2022</a:t>
+              <a:t>25.05.2022</a:t>
             </a:fld>
             <a:endParaRPr lang="ru-RU"/>
           </a:p>
@@ -1746,7 +1746,7 @@
           <a:p>
             <a:fld id="{EDA607E6-64F6-40E3-AC29-C51E54E522D7}" type="datetimeFigureOut">
               <a:rPr lang="ru-RU" smtClean="0"/>
-              <a:t>24.05.2022</a:t>
+              <a:t>25.05.2022</a:t>
             </a:fld>
             <a:endParaRPr lang="ru-RU"/>
           </a:p>
@@ -1841,7 +1841,7 @@
           <a:p>
             <a:fld id="{EDA607E6-64F6-40E3-AC29-C51E54E522D7}" type="datetimeFigureOut">
               <a:rPr lang="ru-RU" smtClean="0"/>
-              <a:t>24.05.2022</a:t>
+              <a:t>25.05.2022</a:t>
             </a:fld>
             <a:endParaRPr lang="ru-RU"/>
           </a:p>
@@ -2118,7 +2118,7 @@
           <a:p>
             <a:fld id="{EDA607E6-64F6-40E3-AC29-C51E54E522D7}" type="datetimeFigureOut">
               <a:rPr lang="ru-RU" smtClean="0"/>
-              <a:t>24.05.2022</a:t>
+              <a:t>25.05.2022</a:t>
             </a:fld>
             <a:endParaRPr lang="ru-RU"/>
           </a:p>
@@ -2371,7 +2371,7 @@
           <a:p>
             <a:fld id="{EDA607E6-64F6-40E3-AC29-C51E54E522D7}" type="datetimeFigureOut">
               <a:rPr lang="ru-RU" smtClean="0"/>
-              <a:t>24.05.2022</a:t>
+              <a:t>25.05.2022</a:t>
             </a:fld>
             <a:endParaRPr lang="ru-RU"/>
           </a:p>
@@ -2611,7 +2611,7 @@
           <a:p>
             <a:fld id="{EDA607E6-64F6-40E3-AC29-C51E54E522D7}" type="datetimeFigureOut">
               <a:rPr lang="ru-RU" smtClean="0"/>
-              <a:t>24.05.2022</a:t>
+              <a:t>25.05.2022</a:t>
             </a:fld>
             <a:endParaRPr lang="ru-RU"/>
           </a:p>
@@ -5239,8 +5239,8 @@
         </p:nvSpPr>
         <p:spPr>
           <a:xfrm>
-            <a:off x="2155127" y="5651157"/>
-            <a:ext cx="7634462" cy="830997"/>
+            <a:off x="2074176" y="5651157"/>
+            <a:ext cx="7796365" cy="830997"/>
           </a:xfrm>
           <a:prstGeom prst="rect">
             <a:avLst/>
@@ -5256,7 +5256,19 @@
             <a:pPr algn="ctr"/>
             <a:r>
               <a:rPr lang="en-US" sz="2400" dirty="0" smtClean="0"/>
-              <a:t>But I choose AWS </a:t>
+              <a:t>But I </a:t>
+            </a:r>
+            <a:r>
+              <a:rPr lang="en-US" sz="2400" dirty="0" err="1" smtClean="0"/>
+              <a:t>choosed</a:t>
+            </a:r>
+            <a:r>
+              <a:rPr lang="en-US" sz="2400" dirty="0" smtClean="0"/>
+              <a:t> </a:t>
+            </a:r>
+            <a:r>
+              <a:rPr lang="en-US" sz="2400" dirty="0" smtClean="0"/>
+              <a:t>AWS </a:t>
             </a:r>
             <a:r>
               <a:rPr lang="en-US" sz="2400" dirty="0" err="1" smtClean="0"/>
@@ -9770,13 +9782,7 @@
                         <a:rPr lang="en-US" sz="1600" baseline="0" dirty="0" smtClean="0">
                           <a:latin typeface="+mn-lt"/>
                         </a:rPr>
-                        <a:t>2 </a:t>
-                      </a:r>
-                      <a:r>
-                        <a:rPr lang="en-US" sz="1600" baseline="0" dirty="0" smtClean="0">
-                          <a:latin typeface="+mn-lt"/>
-                        </a:rPr>
-                        <a:t>dashboard, 1 </a:t>
+                        <a:t>2 dashboard, 1 </a:t>
                       </a:r>
                       <a:r>
                         <a:rPr lang="en-US" sz="1600" baseline="0" dirty="0" err="1" smtClean="0">
@@ -10449,7 +10455,7 @@
           <p:nvPr>
             <p:extLst>
               <p:ext uri="{D42A27DB-BD31-4B8C-83A1-F6EECF244321}">
-                <p14:modId xmlns:p14="http://schemas.microsoft.com/office/powerpoint/2010/main" val="1274494519"/>
+                <p14:modId xmlns:p14="http://schemas.microsoft.com/office/powerpoint/2010/main" val="838647868"/>
               </p:ext>
             </p:extLst>
           </p:nvPr>
@@ -10993,7 +10999,7 @@
                     <a:p>
                       <a:r>
                         <a:rPr lang="en-US" dirty="0" err="1" smtClean="0"/>
-                        <a:t>Sonarcube</a:t>
+                        <a:t>Sonarqube</a:t>
                       </a:r>
                       <a:endParaRPr lang="en-US" dirty="0" smtClean="0"/>
                     </a:p>
@@ -11053,19 +11059,7 @@
                       </a:r>
                       <a:r>
                         <a:rPr lang="en-US" baseline="0" dirty="0" smtClean="0"/>
-                        <a:t> disabled, but you can </a:t>
-                      </a:r>
-                      <a:r>
-                        <a:rPr lang="en-US" baseline="0" dirty="0" smtClean="0"/>
-                        <a:t>always </a:t>
-                      </a:r>
-                      <a:r>
-                        <a:rPr lang="en-US" baseline="0" dirty="0" smtClean="0"/>
-                        <a:t>enable </a:t>
-                      </a:r>
-                      <a:r>
-                        <a:rPr lang="en-US" baseline="0" dirty="0" smtClean="0"/>
-                        <a:t>it</a:t>
+                        <a:t> disabled, but you can always enable it</a:t>
                       </a:r>
                       <a:endParaRPr lang="ru-RU" dirty="0" smtClean="0"/>
                     </a:p>
@@ -16569,7 +16563,7 @@
         </p:nvSpPr>
         <p:spPr>
           <a:xfrm>
-            <a:off x="4737525" y="128801"/>
+            <a:off x="4556293" y="62716"/>
             <a:ext cx="2246834" cy="523220"/>
           </a:xfrm>
           <a:prstGeom prst="rect">
@@ -16676,6 +16670,94 @@
               <a:t>LB DEV</a:t>
             </a:r>
             <a:endParaRPr lang="ru-RU" dirty="0"/>
+          </a:p>
+        </p:txBody>
+      </p:sp>
+      <p:sp>
+        <p:nvSpPr>
+          <p:cNvPr id="42" name="Прямоугольник 41"/>
+          <p:cNvSpPr/>
+          <p:nvPr/>
+        </p:nvSpPr>
+        <p:spPr>
+          <a:xfrm>
+            <a:off x="3910908" y="786456"/>
+            <a:ext cx="665204" cy="387179"/>
+          </a:xfrm>
+          <a:prstGeom prst="rect">
+            <a:avLst/>
+          </a:prstGeom>
+        </p:spPr>
+        <p:style>
+          <a:lnRef idx="2">
+            <a:schemeClr val="accent5">
+              <a:shade val="50000"/>
+            </a:schemeClr>
+          </a:lnRef>
+          <a:fillRef idx="1">
+            <a:schemeClr val="accent5"/>
+          </a:fillRef>
+          <a:effectRef idx="0">
+            <a:schemeClr val="accent5"/>
+          </a:effectRef>
+          <a:fontRef idx="minor">
+            <a:schemeClr val="lt1"/>
+          </a:fontRef>
+        </p:style>
+        <p:txBody>
+          <a:bodyPr rtlCol="0" anchor="ctr"/>
+          <a:lstStyle/>
+          <a:p>
+            <a:pPr algn="ctr"/>
+            <a:r>
+              <a:rPr lang="en-US" dirty="0" smtClean="0"/>
+              <a:t>DEV</a:t>
+            </a:r>
+            <a:endParaRPr lang="ru-RU" dirty="0"/>
+          </a:p>
+        </p:txBody>
+      </p:sp>
+      <p:sp>
+        <p:nvSpPr>
+          <p:cNvPr id="44" name="Прямоугольник 43"/>
+          <p:cNvSpPr/>
+          <p:nvPr/>
+        </p:nvSpPr>
+        <p:spPr>
+          <a:xfrm>
+            <a:off x="3910908" y="1791471"/>
+            <a:ext cx="665204" cy="387179"/>
+          </a:xfrm>
+          <a:prstGeom prst="rect">
+            <a:avLst/>
+          </a:prstGeom>
+        </p:spPr>
+        <p:style>
+          <a:lnRef idx="2">
+            <a:schemeClr val="accent6">
+              <a:shade val="50000"/>
+            </a:schemeClr>
+          </a:lnRef>
+          <a:fillRef idx="1">
+            <a:schemeClr val="accent6"/>
+          </a:fillRef>
+          <a:effectRef idx="0">
+            <a:schemeClr val="accent6"/>
+          </a:effectRef>
+          <a:fontRef idx="minor">
+            <a:schemeClr val="lt1"/>
+          </a:fontRef>
+        </p:style>
+        <p:txBody>
+          <a:bodyPr rtlCol="0" anchor="ctr"/>
+          <a:lstStyle/>
+          <a:p>
+            <a:pPr algn="ctr"/>
+            <a:r>
+              <a:rPr lang="en-US" sz="1600" dirty="0" smtClean="0"/>
+              <a:t>PROD</a:t>
+            </a:r>
+            <a:endParaRPr lang="ru-RU" sz="1600" dirty="0"/>
           </a:p>
         </p:txBody>
       </p:sp>

--- a/pres.pptx
+++ b/pres.pptx
@@ -263,7 +263,7 @@
           <a:p>
             <a:fld id="{EDA607E6-64F6-40E3-AC29-C51E54E522D7}" type="datetimeFigureOut">
               <a:rPr lang="ru-RU" smtClean="0"/>
-              <a:t>25.05.2022</a:t>
+              <a:t>26.05.2022</a:t>
             </a:fld>
             <a:endParaRPr lang="ru-RU"/>
           </a:p>
@@ -433,7 +433,7 @@
           <a:p>
             <a:fld id="{EDA607E6-64F6-40E3-AC29-C51E54E522D7}" type="datetimeFigureOut">
               <a:rPr lang="ru-RU" smtClean="0"/>
-              <a:t>25.05.2022</a:t>
+              <a:t>26.05.2022</a:t>
             </a:fld>
             <a:endParaRPr lang="ru-RU"/>
           </a:p>
@@ -613,7 +613,7 @@
           <a:p>
             <a:fld id="{EDA607E6-64F6-40E3-AC29-C51E54E522D7}" type="datetimeFigureOut">
               <a:rPr lang="ru-RU" smtClean="0"/>
-              <a:t>25.05.2022</a:t>
+              <a:t>26.05.2022</a:t>
             </a:fld>
             <a:endParaRPr lang="ru-RU"/>
           </a:p>
@@ -783,7 +783,7 @@
           <a:p>
             <a:fld id="{EDA607E6-64F6-40E3-AC29-C51E54E522D7}" type="datetimeFigureOut">
               <a:rPr lang="ru-RU" smtClean="0"/>
-              <a:t>25.05.2022</a:t>
+              <a:t>26.05.2022</a:t>
             </a:fld>
             <a:endParaRPr lang="ru-RU"/>
           </a:p>
@@ -1029,7 +1029,7 @@
           <a:p>
             <a:fld id="{EDA607E6-64F6-40E3-AC29-C51E54E522D7}" type="datetimeFigureOut">
               <a:rPr lang="ru-RU" smtClean="0"/>
-              <a:t>25.05.2022</a:t>
+              <a:t>26.05.2022</a:t>
             </a:fld>
             <a:endParaRPr lang="ru-RU"/>
           </a:p>
@@ -1261,7 +1261,7 @@
           <a:p>
             <a:fld id="{EDA607E6-64F6-40E3-AC29-C51E54E522D7}" type="datetimeFigureOut">
               <a:rPr lang="ru-RU" smtClean="0"/>
-              <a:t>25.05.2022</a:t>
+              <a:t>26.05.2022</a:t>
             </a:fld>
             <a:endParaRPr lang="ru-RU"/>
           </a:p>
@@ -1628,7 +1628,7 @@
           <a:p>
             <a:fld id="{EDA607E6-64F6-40E3-AC29-C51E54E522D7}" type="datetimeFigureOut">
               <a:rPr lang="ru-RU" smtClean="0"/>
-              <a:t>25.05.2022</a:t>
+              <a:t>26.05.2022</a:t>
             </a:fld>
             <a:endParaRPr lang="ru-RU"/>
           </a:p>
@@ -1746,7 +1746,7 @@
           <a:p>
             <a:fld id="{EDA607E6-64F6-40E3-AC29-C51E54E522D7}" type="datetimeFigureOut">
               <a:rPr lang="ru-RU" smtClean="0"/>
-              <a:t>25.05.2022</a:t>
+              <a:t>26.05.2022</a:t>
             </a:fld>
             <a:endParaRPr lang="ru-RU"/>
           </a:p>
@@ -1841,7 +1841,7 @@
           <a:p>
             <a:fld id="{EDA607E6-64F6-40E3-AC29-C51E54E522D7}" type="datetimeFigureOut">
               <a:rPr lang="ru-RU" smtClean="0"/>
-              <a:t>25.05.2022</a:t>
+              <a:t>26.05.2022</a:t>
             </a:fld>
             <a:endParaRPr lang="ru-RU"/>
           </a:p>
@@ -2118,7 +2118,7 @@
           <a:p>
             <a:fld id="{EDA607E6-64F6-40E3-AC29-C51E54E522D7}" type="datetimeFigureOut">
               <a:rPr lang="ru-RU" smtClean="0"/>
-              <a:t>25.05.2022</a:t>
+              <a:t>26.05.2022</a:t>
             </a:fld>
             <a:endParaRPr lang="ru-RU"/>
           </a:p>
@@ -2371,7 +2371,7 @@
           <a:p>
             <a:fld id="{EDA607E6-64F6-40E3-AC29-C51E54E522D7}" type="datetimeFigureOut">
               <a:rPr lang="ru-RU" smtClean="0"/>
-              <a:t>25.05.2022</a:t>
+              <a:t>26.05.2022</a:t>
             </a:fld>
             <a:endParaRPr lang="ru-RU"/>
           </a:p>
@@ -2611,7 +2611,7 @@
           <a:p>
             <a:fld id="{EDA607E6-64F6-40E3-AC29-C51E54E522D7}" type="datetimeFigureOut">
               <a:rPr lang="ru-RU" smtClean="0"/>
-              <a:t>25.05.2022</a:t>
+              <a:t>26.05.2022</a:t>
             </a:fld>
             <a:endParaRPr lang="ru-RU"/>
           </a:p>
@@ -4744,7 +4744,7 @@
       </p:sp>
       <p:pic>
         <p:nvPicPr>
-          <p:cNvPr id="3" name="Рисунок 2"/>
+          <p:cNvPr id="4" name="Рисунок 3"/>
           <p:cNvPicPr>
             <a:picLocks noChangeAspect="1"/>
           </p:cNvPicPr>
@@ -4758,8 +4758,8 @@
         </p:blipFill>
         <p:spPr>
           <a:xfrm>
-            <a:off x="5924550" y="596249"/>
-            <a:ext cx="5868618" cy="2908951"/>
+            <a:off x="5822850" y="3698170"/>
+            <a:ext cx="5970318" cy="2683579"/>
           </a:xfrm>
           <a:prstGeom prst="rect">
             <a:avLst/>
@@ -4771,9 +4771,247 @@
           </a:ln>
         </p:spPr>
       </p:pic>
+      <p:sp>
+        <p:nvSpPr>
+          <p:cNvPr id="5" name="TextBox 4"/>
+          <p:cNvSpPr txBox="1"/>
+          <p:nvPr/>
+        </p:nvSpPr>
+        <p:spPr>
+          <a:xfrm>
+            <a:off x="885825" y="1057275"/>
+            <a:ext cx="4348498" cy="3139321"/>
+          </a:xfrm>
+          <a:prstGeom prst="rect">
+            <a:avLst/>
+          </a:prstGeom>
+          <a:noFill/>
+        </p:spPr>
+        <p:txBody>
+          <a:bodyPr wrap="none" rtlCol="0">
+            <a:spAutoFit/>
+          </a:bodyPr>
+          <a:lstStyle/>
+          <a:p>
+            <a:r>
+              <a:rPr lang="en-US" dirty="0" err="1" smtClean="0"/>
+              <a:t>Github</a:t>
+            </a:r>
+            <a:r>
+              <a:rPr lang="en-US" dirty="0" smtClean="0"/>
+              <a:t> Action </a:t>
+            </a:r>
+          </a:p>
+          <a:p>
+            <a:r>
+              <a:rPr lang="en-US" dirty="0" err="1" smtClean="0"/>
+              <a:t>Selfhosted</a:t>
+            </a:r>
+            <a:r>
+              <a:rPr lang="en-US" dirty="0" smtClean="0"/>
+              <a:t> runner</a:t>
+            </a:r>
+          </a:p>
+          <a:p>
+            <a:r>
+              <a:rPr lang="en-US" dirty="0" smtClean="0"/>
+              <a:t>Dashboard:</a:t>
+            </a:r>
+          </a:p>
+          <a:p>
+            <a:pPr marL="285750" indent="-285750">
+              <a:buFontTx/>
+              <a:buChar char="-"/>
+            </a:pPr>
+            <a:r>
+              <a:rPr lang="en-US" dirty="0" smtClean="0"/>
+              <a:t>Disk usage</a:t>
+            </a:r>
+          </a:p>
+          <a:p>
+            <a:pPr marL="285750" indent="-285750">
+              <a:buFontTx/>
+              <a:buChar char="-"/>
+            </a:pPr>
+            <a:r>
+              <a:rPr lang="en-US" dirty="0" smtClean="0"/>
+              <a:t>Memory usage</a:t>
+            </a:r>
+          </a:p>
+          <a:p>
+            <a:pPr marL="285750" indent="-285750">
+              <a:buFontTx/>
+              <a:buChar char="-"/>
+            </a:pPr>
+            <a:r>
+              <a:rPr lang="en-US" dirty="0" err="1" smtClean="0"/>
+              <a:t>Cpu</a:t>
+            </a:r>
+            <a:r>
+              <a:rPr lang="en-US" dirty="0" smtClean="0"/>
+              <a:t> usage</a:t>
+            </a:r>
+          </a:p>
+          <a:p>
+            <a:pPr marL="285750" indent="-285750">
+              <a:buFontTx/>
+              <a:buChar char="-"/>
+            </a:pPr>
+            <a:r>
+              <a:rPr lang="en-US" dirty="0" smtClean="0"/>
+              <a:t>Logs from started jobs and count number</a:t>
+            </a:r>
+          </a:p>
+          <a:p>
+            <a:pPr marL="285750" indent="-285750">
+              <a:buFontTx/>
+              <a:buChar char="-"/>
+            </a:pPr>
+            <a:r>
+              <a:rPr lang="en-US" dirty="0" smtClean="0"/>
+              <a:t>Logs from failed jobs and </a:t>
+            </a:r>
+            <a:r>
+              <a:rPr lang="en-US" dirty="0"/>
+              <a:t>count number</a:t>
+            </a:r>
+          </a:p>
+          <a:p>
+            <a:pPr marL="285750" indent="-285750">
+              <a:buFontTx/>
+              <a:buChar char="-"/>
+            </a:pPr>
+            <a:endParaRPr lang="en-US" dirty="0" smtClean="0"/>
+          </a:p>
+          <a:p>
+            <a:pPr marL="285750" indent="-285750">
+              <a:buFontTx/>
+              <a:buChar char="-"/>
+            </a:pPr>
+            <a:endParaRPr lang="en-US" dirty="0" smtClean="0"/>
+          </a:p>
+          <a:p>
+            <a:endParaRPr lang="ru-RU" dirty="0"/>
+          </a:p>
+        </p:txBody>
+      </p:sp>
+      <p:sp>
+        <p:nvSpPr>
+          <p:cNvPr id="6" name="TextBox 5"/>
+          <p:cNvSpPr txBox="1"/>
+          <p:nvPr/>
+        </p:nvSpPr>
+        <p:spPr>
+          <a:xfrm>
+            <a:off x="990600" y="4010025"/>
+            <a:ext cx="4610100" cy="2862322"/>
+          </a:xfrm>
+          <a:prstGeom prst="rect">
+            <a:avLst/>
+          </a:prstGeom>
+          <a:noFill/>
+        </p:spPr>
+        <p:txBody>
+          <a:bodyPr wrap="square" rtlCol="0">
+            <a:spAutoFit/>
+          </a:bodyPr>
+          <a:lstStyle/>
+          <a:p>
+            <a:r>
+              <a:rPr lang="en-US" dirty="0" smtClean="0"/>
+              <a:t>Cluster dashboard:</a:t>
+            </a:r>
+          </a:p>
+          <a:p>
+            <a:pPr marL="285750" indent="-285750">
+              <a:buFontTx/>
+              <a:buChar char="-"/>
+            </a:pPr>
+            <a:r>
+              <a:rPr lang="en-US" dirty="0" smtClean="0"/>
+              <a:t>Disk</a:t>
+            </a:r>
+          </a:p>
+          <a:p>
+            <a:pPr marL="285750" indent="-285750">
+              <a:buFontTx/>
+              <a:buChar char="-"/>
+            </a:pPr>
+            <a:r>
+              <a:rPr lang="en-US" dirty="0" err="1" smtClean="0"/>
+              <a:t>Cpu</a:t>
+            </a:r>
+            <a:endParaRPr lang="en-US" dirty="0" smtClean="0"/>
+          </a:p>
+          <a:p>
+            <a:pPr marL="285750" indent="-285750">
+              <a:buFontTx/>
+              <a:buChar char="-"/>
+            </a:pPr>
+            <a:r>
+              <a:rPr lang="en-US" dirty="0" smtClean="0"/>
+              <a:t>Memory</a:t>
+            </a:r>
+          </a:p>
+          <a:p>
+            <a:pPr marL="285750" indent="-285750">
+              <a:buFontTx/>
+              <a:buChar char="-"/>
+            </a:pPr>
+            <a:r>
+              <a:rPr lang="en-US" dirty="0" smtClean="0"/>
+              <a:t>network</a:t>
+            </a:r>
+          </a:p>
+          <a:p>
+            <a:pPr marL="285750" indent="-285750">
+              <a:buFontTx/>
+              <a:buChar char="-"/>
+            </a:pPr>
+            <a:r>
+              <a:rPr lang="en-US" dirty="0" smtClean="0"/>
+              <a:t>Number of pod</a:t>
+            </a:r>
+          </a:p>
+          <a:p>
+            <a:pPr marL="285750" indent="-285750">
+              <a:buFontTx/>
+              <a:buChar char="-"/>
+            </a:pPr>
+            <a:r>
+              <a:rPr lang="en-US" dirty="0" smtClean="0"/>
+              <a:t>Number of nodes</a:t>
+            </a:r>
+          </a:p>
+          <a:p>
+            <a:pPr marL="285750" indent="-285750">
+              <a:buFontTx/>
+              <a:buChar char="-"/>
+            </a:pPr>
+            <a:r>
+              <a:rPr lang="en-US" dirty="0" smtClean="0"/>
+              <a:t>RDS free space and connection number</a:t>
+            </a:r>
+          </a:p>
+          <a:p>
+            <a:pPr marL="285750" indent="-285750">
+              <a:buFontTx/>
+              <a:buChar char="-"/>
+            </a:pPr>
+            <a:endParaRPr lang="en-US" dirty="0" smtClean="0"/>
+          </a:p>
+          <a:p>
+            <a:pPr marL="285750" indent="-285750">
+              <a:buFontTx/>
+              <a:buChar char="-"/>
+            </a:pPr>
+            <a:endParaRPr lang="ru-RU" dirty="0"/>
+          </a:p>
+        </p:txBody>
+      </p:sp>
       <p:pic>
         <p:nvPicPr>
-          <p:cNvPr id="4" name="Рисунок 3"/>
+          <p:cNvPr id="7" name="Рисунок 6"/>
           <p:cNvPicPr>
             <a:picLocks noChangeAspect="1"/>
           </p:cNvPicPr>
@@ -4787,257 +5025,14 @@
         </p:blipFill>
         <p:spPr>
           <a:xfrm>
-            <a:off x="5822850" y="3698170"/>
-            <a:ext cx="5970318" cy="2683579"/>
+            <a:off x="5656462" y="659027"/>
+            <a:ext cx="6136706" cy="2794216"/>
           </a:xfrm>
           <a:prstGeom prst="rect">
             <a:avLst/>
           </a:prstGeom>
-          <a:ln>
-            <a:solidFill>
-              <a:schemeClr val="tx1"/>
-            </a:solidFill>
-          </a:ln>
         </p:spPr>
       </p:pic>
-      <p:sp>
-        <p:nvSpPr>
-          <p:cNvPr id="5" name="TextBox 4"/>
-          <p:cNvSpPr txBox="1"/>
-          <p:nvPr/>
-        </p:nvSpPr>
-        <p:spPr>
-          <a:xfrm>
-            <a:off x="885825" y="1057275"/>
-            <a:ext cx="4348498" cy="3139321"/>
-          </a:xfrm>
-          <a:prstGeom prst="rect">
-            <a:avLst/>
-          </a:prstGeom>
-          <a:noFill/>
-        </p:spPr>
-        <p:txBody>
-          <a:bodyPr wrap="none" rtlCol="0">
-            <a:spAutoFit/>
-          </a:bodyPr>
-          <a:lstStyle/>
-          <a:p>
-            <a:r>
-              <a:rPr lang="en-US" dirty="0" err="1" smtClean="0"/>
-              <a:t>Github</a:t>
-            </a:r>
-            <a:r>
-              <a:rPr lang="en-US" dirty="0" smtClean="0"/>
-              <a:t> Action </a:t>
-            </a:r>
-          </a:p>
-          <a:p>
-            <a:r>
-              <a:rPr lang="en-US" dirty="0" err="1" smtClean="0"/>
-              <a:t>Selfhosted</a:t>
-            </a:r>
-            <a:r>
-              <a:rPr lang="en-US" dirty="0" smtClean="0"/>
-              <a:t> runner</a:t>
-            </a:r>
-          </a:p>
-          <a:p>
-            <a:r>
-              <a:rPr lang="en-US" dirty="0" smtClean="0"/>
-              <a:t>Dashboard:</a:t>
-            </a:r>
-          </a:p>
-          <a:p>
-            <a:pPr marL="285750" indent="-285750">
-              <a:buFontTx/>
-              <a:buChar char="-"/>
-            </a:pPr>
-            <a:r>
-              <a:rPr lang="en-US" dirty="0" smtClean="0"/>
-              <a:t>Disk usage</a:t>
-            </a:r>
-          </a:p>
-          <a:p>
-            <a:pPr marL="285750" indent="-285750">
-              <a:buFontTx/>
-              <a:buChar char="-"/>
-            </a:pPr>
-            <a:r>
-              <a:rPr lang="en-US" dirty="0" smtClean="0"/>
-              <a:t>Memory usage</a:t>
-            </a:r>
-          </a:p>
-          <a:p>
-            <a:pPr marL="285750" indent="-285750">
-              <a:buFontTx/>
-              <a:buChar char="-"/>
-            </a:pPr>
-            <a:r>
-              <a:rPr lang="en-US" dirty="0" err="1" smtClean="0"/>
-              <a:t>Cpu</a:t>
-            </a:r>
-            <a:r>
-              <a:rPr lang="en-US" dirty="0" smtClean="0"/>
-              <a:t> usage</a:t>
-            </a:r>
-          </a:p>
-          <a:p>
-            <a:pPr marL="285750" indent="-285750">
-              <a:buFontTx/>
-              <a:buChar char="-"/>
-            </a:pPr>
-            <a:r>
-              <a:rPr lang="en-US" dirty="0" smtClean="0"/>
-              <a:t>Logs from started jobs and count number</a:t>
-            </a:r>
-          </a:p>
-          <a:p>
-            <a:pPr marL="285750" indent="-285750">
-              <a:buFontTx/>
-              <a:buChar char="-"/>
-            </a:pPr>
-            <a:r>
-              <a:rPr lang="en-US" dirty="0" smtClean="0"/>
-              <a:t>Logs from failed jobs and </a:t>
-            </a:r>
-            <a:r>
-              <a:rPr lang="en-US" dirty="0"/>
-              <a:t>count number</a:t>
-            </a:r>
-          </a:p>
-          <a:p>
-            <a:pPr marL="285750" indent="-285750">
-              <a:buFontTx/>
-              <a:buChar char="-"/>
-            </a:pPr>
-            <a:endParaRPr lang="en-US" dirty="0" smtClean="0"/>
-          </a:p>
-          <a:p>
-            <a:pPr marL="285750" indent="-285750">
-              <a:buFontTx/>
-              <a:buChar char="-"/>
-            </a:pPr>
-            <a:endParaRPr lang="en-US" dirty="0" smtClean="0"/>
-          </a:p>
-          <a:p>
-            <a:endParaRPr lang="ru-RU" dirty="0"/>
-          </a:p>
-        </p:txBody>
-      </p:sp>
-      <p:sp>
-        <p:nvSpPr>
-          <p:cNvPr id="6" name="TextBox 5"/>
-          <p:cNvSpPr txBox="1"/>
-          <p:nvPr/>
-        </p:nvSpPr>
-        <p:spPr>
-          <a:xfrm>
-            <a:off x="990600" y="4010025"/>
-            <a:ext cx="4610100" cy="2862322"/>
-          </a:xfrm>
-          <a:prstGeom prst="rect">
-            <a:avLst/>
-          </a:prstGeom>
-          <a:noFill/>
-        </p:spPr>
-        <p:txBody>
-          <a:bodyPr wrap="square" rtlCol="0">
-            <a:spAutoFit/>
-          </a:bodyPr>
-          <a:lstStyle/>
-          <a:p>
-            <a:r>
-              <a:rPr lang="en-US" dirty="0" smtClean="0"/>
-              <a:t>Cluster dashboard:</a:t>
-            </a:r>
-          </a:p>
-          <a:p>
-            <a:pPr marL="285750" indent="-285750">
-              <a:buFontTx/>
-              <a:buChar char="-"/>
-            </a:pPr>
-            <a:r>
-              <a:rPr lang="en-US" dirty="0" smtClean="0"/>
-              <a:t>Disk</a:t>
-            </a:r>
-          </a:p>
-          <a:p>
-            <a:pPr marL="285750" indent="-285750">
-              <a:buFontTx/>
-              <a:buChar char="-"/>
-            </a:pPr>
-            <a:r>
-              <a:rPr lang="en-US" dirty="0" err="1" smtClean="0"/>
-              <a:t>Cpu</a:t>
-            </a:r>
-            <a:endParaRPr lang="en-US" dirty="0" smtClean="0"/>
-          </a:p>
-          <a:p>
-            <a:pPr marL="285750" indent="-285750">
-              <a:buFontTx/>
-              <a:buChar char="-"/>
-            </a:pPr>
-            <a:r>
-              <a:rPr lang="en-US" dirty="0" smtClean="0"/>
-              <a:t>Memory</a:t>
-            </a:r>
-          </a:p>
-          <a:p>
-            <a:pPr marL="285750" indent="-285750">
-              <a:buFontTx/>
-              <a:buChar char="-"/>
-            </a:pPr>
-            <a:r>
-              <a:rPr lang="en-US" dirty="0" smtClean="0"/>
-              <a:t>network</a:t>
-            </a:r>
-          </a:p>
-          <a:p>
-            <a:pPr marL="285750" indent="-285750">
-              <a:buFontTx/>
-              <a:buChar char="-"/>
-            </a:pPr>
-            <a:r>
-              <a:rPr lang="en-US" dirty="0" smtClean="0"/>
-              <a:t>Number of pod</a:t>
-            </a:r>
-          </a:p>
-          <a:p>
-            <a:pPr marL="285750" indent="-285750">
-              <a:buFontTx/>
-              <a:buChar char="-"/>
-            </a:pPr>
-            <a:r>
-              <a:rPr lang="en-US" dirty="0" smtClean="0"/>
-              <a:t>Number of nodes</a:t>
-            </a:r>
-          </a:p>
-          <a:p>
-            <a:pPr marL="285750" indent="-285750">
-              <a:buFontTx/>
-              <a:buChar char="-"/>
-            </a:pPr>
-            <a:r>
-              <a:rPr lang="en-US" dirty="0" smtClean="0"/>
-              <a:t>RDS free space and connection number</a:t>
-            </a:r>
-          </a:p>
-          <a:p>
-            <a:pPr marL="285750" indent="-285750">
-              <a:buFontTx/>
-              <a:buChar char="-"/>
-            </a:pPr>
-            <a:endParaRPr lang="en-US" dirty="0" smtClean="0"/>
-          </a:p>
-          <a:p>
-            <a:pPr marL="285750" indent="-285750">
-              <a:buFontTx/>
-              <a:buChar char="-"/>
-            </a:pPr>
-            <a:endParaRPr lang="ru-RU" dirty="0"/>
-          </a:p>
-        </p:txBody>
-      </p:sp>
     </p:spTree>
     <p:extLst>
       <p:ext uri="{BB962C8B-B14F-4D97-AF65-F5344CB8AC3E}">
@@ -5138,7 +5133,7 @@
         </p:blipFill>
         <p:spPr>
           <a:xfrm>
-            <a:off x="3645153" y="1402623"/>
+            <a:off x="3538061" y="1402623"/>
             <a:ext cx="3800967" cy="1378198"/>
           </a:xfrm>
           <a:prstGeom prst="rect">
@@ -5264,11 +5259,7 @@
             </a:r>
             <a:r>
               <a:rPr lang="en-US" sz="2400" dirty="0" smtClean="0"/>
-              <a:t> </a:t>
-            </a:r>
-            <a:r>
-              <a:rPr lang="en-US" sz="2400" dirty="0" smtClean="0"/>
-              <a:t>AWS </a:t>
+              <a:t> AWS </a:t>
             </a:r>
             <a:r>
               <a:rPr lang="en-US" sz="2400" dirty="0" err="1" smtClean="0"/>
